--- a/milestones/milestone_8/matthew_younce_capstone.pptx
+++ b/milestones/milestone_8/matthew_younce_capstone.pptx
@@ -5,7 +5,7 @@
     <p:sldMasterId id="2147483660" r:id="rId5"/>
   </p:sldMasterIdLst>
   <p:notesMasterIdLst>
-    <p:notesMasterId r:id="rId14"/>
+    <p:notesMasterId r:id="rId24"/>
   </p:notesMasterIdLst>
   <p:sldIdLst>
     <p:sldId id="261" r:id="rId6"/>
@@ -14,8 +14,18 @@
     <p:sldId id="263" r:id="rId9"/>
     <p:sldId id="264" r:id="rId10"/>
     <p:sldId id="266" r:id="rId11"/>
-    <p:sldId id="265" r:id="rId12"/>
-    <p:sldId id="260" r:id="rId13"/>
+    <p:sldId id="274" r:id="rId12"/>
+    <p:sldId id="265" r:id="rId13"/>
+    <p:sldId id="267" r:id="rId14"/>
+    <p:sldId id="272" r:id="rId15"/>
+    <p:sldId id="279" r:id="rId16"/>
+    <p:sldId id="275" r:id="rId17"/>
+    <p:sldId id="281" r:id="rId18"/>
+    <p:sldId id="276" r:id="rId19"/>
+    <p:sldId id="277" r:id="rId20"/>
+    <p:sldId id="278" r:id="rId21"/>
+    <p:sldId id="280" r:id="rId22"/>
+    <p:sldId id="260" r:id="rId23"/>
   </p:sldIdLst>
   <p:sldSz cx="12192000" cy="6858000"/>
   <p:notesSz cx="6858000" cy="9144000"/>
@@ -204,7 +214,7 @@
           <a:p>
             <a:fld id="{3EF08047-F4EA-4F87-B174-4ADD9A4447E5}" type="datetimeFigureOut">
               <a:rPr lang="en-US" smtClean="0"/>
-              <a:t>7/29/2021</a:t>
+              <a:t>8/5/2021</a:t>
             </a:fld>
             <a:endParaRPr lang="en-US"/>
           </a:p>
@@ -1217,109 +1227,6 @@
           </a:prstGeom>
         </p:spPr>
       </p:pic>
-      <p:sp>
-        <p:nvSpPr>
-          <p:cNvPr id="5" name="Rectangle 4"/>
-          <p:cNvSpPr/>
-          <p:nvPr userDrawn="1"/>
-        </p:nvSpPr>
-        <p:spPr>
-          <a:xfrm>
-            <a:off x="1" y="5834340"/>
-            <a:ext cx="11686674" cy="276999"/>
-          </a:xfrm>
-          <a:prstGeom prst="rect">
-            <a:avLst/>
-          </a:prstGeom>
-        </p:spPr>
-        <p:txBody>
-          <a:bodyPr wrap="square">
-            <a:spAutoFit/>
-          </a:bodyPr>
-          <a:lstStyle/>
-          <a:p>
-            <a:pPr marL="0" lvl="0" indent="0" algn="ctr" defTabSz="1219139" rtl="0" eaLnBrk="1" latinLnBrk="0" hangingPunct="1">
-              <a:spcBef>
-                <a:spcPct val="20000"/>
-              </a:spcBef>
-              <a:buFont typeface="Arial" panose="020B0604020202020204" pitchFamily="34" charset="0"/>
-              <a:buNone/>
-            </a:pPr>
-            <a:r>
-              <a:rPr lang="en-US" sz="1200" kern="1200" baseline="0" dirty="0">
-                <a:solidFill>
-                  <a:srgbClr val="192F43"/>
-                </a:solidFill>
-                <a:latin typeface="Franklin Gothic Medium Cond" panose="020B0606030402020204" pitchFamily="34" charset="0"/>
-                <a:ea typeface="+mn-ea"/>
-                <a:cs typeface="Arial" panose="020B0604020202020204" pitchFamily="34" charset="0"/>
-              </a:rPr>
-              <a:t>Approved for Public </a:t>
-            </a:r>
-            <a:r>
-              <a:rPr lang="en-US" sz="1200" b="0" kern="1200" baseline="0" dirty="0">
-                <a:solidFill>
-                  <a:srgbClr val="192F43"/>
-                </a:solidFill>
-                <a:latin typeface="Franklin Gothic Medium Cond" panose="020B0606030402020204" pitchFamily="34" charset="0"/>
-                <a:ea typeface="+mn-ea"/>
-                <a:cs typeface="Arial" panose="020B0604020202020204" pitchFamily="34" charset="0"/>
-              </a:rPr>
-              <a:t>Release</a:t>
-            </a:r>
-            <a:r>
-              <a:rPr lang="en-US" sz="1200" kern="1200" baseline="0" dirty="0">
-                <a:solidFill>
-                  <a:srgbClr val="192F43"/>
-                </a:solidFill>
-                <a:latin typeface="Franklin Gothic Medium Cond" panose="020B0606030402020204" pitchFamily="34" charset="0"/>
-                <a:ea typeface="+mn-ea"/>
-                <a:cs typeface="Arial" panose="020B0604020202020204" pitchFamily="34" charset="0"/>
-              </a:rPr>
-              <a:t>,</a:t>
-            </a:r>
-          </a:p>
-        </p:txBody>
-      </p:sp>
-      <p:sp>
-        <p:nvSpPr>
-          <p:cNvPr id="6" name="Text Placeholder 4"/>
-          <p:cNvSpPr>
-            <a:spLocks noGrp="1"/>
-          </p:cNvSpPr>
-          <p:nvPr>
-            <p:ph type="body" sz="quarter" idx="18" hasCustomPrompt="1"/>
-          </p:nvPr>
-        </p:nvSpPr>
-        <p:spPr>
-          <a:xfrm>
-            <a:off x="6572088" y="5834340"/>
-            <a:ext cx="1552944" cy="349005"/>
-          </a:xfrm>
-        </p:spPr>
-        <p:txBody>
-          <a:bodyPr>
-            <a:normAutofit/>
-          </a:bodyPr>
-          <a:lstStyle>
-            <a:lvl1pPr algn="l">
-              <a:defRPr sz="1200" b="0">
-                <a:solidFill>
-                  <a:srgbClr val="192F43"/>
-                </a:solidFill>
-                <a:latin typeface="Franklin Gothic Medium Cond" panose="020B0606030402020204" pitchFamily="34" charset="0"/>
-              </a:defRPr>
-            </a:lvl1pPr>
-          </a:lstStyle>
-          <a:p>
-            <a:pPr lvl="0"/>
-            <a:r>
-              <a:rPr lang="en-US" dirty="0"/>
-              <a:t>XX-XXXX</a:t>
-            </a:r>
-          </a:p>
-        </p:txBody>
-      </p:sp>
     </p:spTree>
     <p:extLst>
       <p:ext uri="{BB962C8B-B14F-4D97-AF65-F5344CB8AC3E}">
@@ -1469,7 +1376,7 @@
           <a:graphicData uri="http://schemas.openxmlformats.org/presentationml/2006/ole">
             <mc:AlternateContent xmlns:mc="http://schemas.openxmlformats.org/markup-compatibility/2006">
               <mc:Choice xmlns:v="urn:schemas-microsoft-com:vml" Requires="v">
-                <p:oleObj spid="_x0000_s2122" name="Image" r:id="rId9" imgW="330120" imgH="3428280" progId="Photoshop.Image.13">
+                <p:oleObj spid="_x0000_s2164" name="Image" r:id="rId9" imgW="330120" imgH="3428280" progId="Photoshop.Image.13">
                   <p:embed/>
                 </p:oleObj>
               </mc:Choice>
@@ -1526,7 +1433,7 @@
           <a:graphicData uri="http://schemas.openxmlformats.org/presentationml/2006/ole">
             <mc:AlternateContent xmlns:mc="http://schemas.openxmlformats.org/markup-compatibility/2006">
               <mc:Choice xmlns:v="urn:schemas-microsoft-com:vml" Requires="v">
-                <p:oleObj spid="_x0000_s2123" name="Image" r:id="rId11" imgW="330120" imgH="3428280" progId="Photoshop.Image.13">
+                <p:oleObj spid="_x0000_s2165" name="Image" r:id="rId11" imgW="330120" imgH="3428280" progId="Photoshop.Image.13">
                   <p:embed/>
                 </p:oleObj>
               </mc:Choice>
@@ -2127,6 +2034,1568 @@
 </p:sld>
 </file>
 
+<file path=ppt/slides/slide10.xml><?xml version="1.0" encoding="utf-8"?>
+<p:sld xmlns:a="http://schemas.openxmlformats.org/drawingml/2006/main" xmlns:r="http://schemas.openxmlformats.org/officeDocument/2006/relationships" xmlns:p="http://schemas.openxmlformats.org/presentationml/2006/main">
+  <p:cSld>
+    <p:spTree>
+      <p:nvGrpSpPr>
+        <p:cNvPr id="1" name=""/>
+        <p:cNvGrpSpPr/>
+        <p:nvPr/>
+      </p:nvGrpSpPr>
+      <p:grpSpPr>
+        <a:xfrm>
+          <a:off x="0" y="0"/>
+          <a:ext cx="0" cy="0"/>
+          <a:chOff x="0" y="0"/>
+          <a:chExt cx="0" cy="0"/>
+        </a:xfrm>
+      </p:grpSpPr>
+      <p:sp>
+        <p:nvSpPr>
+          <p:cNvPr id="2" name="Title 1">
+            <a:extLst>
+              <a:ext uri="{FF2B5EF4-FFF2-40B4-BE49-F238E27FC236}">
+                <a16:creationId xmlns:a16="http://schemas.microsoft.com/office/drawing/2014/main" id="{DACAA30D-4624-4E51-BABE-168CB234B7C2}"/>
+              </a:ext>
+            </a:extLst>
+          </p:cNvPr>
+          <p:cNvSpPr>
+            <a:spLocks noGrp="1"/>
+          </p:cNvSpPr>
+          <p:nvPr>
+            <p:ph type="title"/>
+          </p:nvPr>
+        </p:nvSpPr>
+        <p:spPr/>
+        <p:txBody>
+          <a:bodyPr/>
+          <a:lstStyle/>
+          <a:p>
+            <a:r>
+              <a:rPr lang="en-US" dirty="0"/>
+              <a:t>Analysis, Visualization, and Results</a:t>
+            </a:r>
+          </a:p>
+        </p:txBody>
+      </p:sp>
+      <p:sp>
+        <p:nvSpPr>
+          <p:cNvPr id="3" name="Content Placeholder 2">
+            <a:extLst>
+              <a:ext uri="{FF2B5EF4-FFF2-40B4-BE49-F238E27FC236}">
+                <a16:creationId xmlns:a16="http://schemas.microsoft.com/office/drawing/2014/main" id="{D798FE68-624F-4C0C-B9EE-ED744268C3C6}"/>
+              </a:ext>
+            </a:extLst>
+          </p:cNvPr>
+          <p:cNvSpPr>
+            <a:spLocks noGrp="1"/>
+          </p:cNvSpPr>
+          <p:nvPr>
+            <p:ph idx="1"/>
+          </p:nvPr>
+        </p:nvSpPr>
+        <p:spPr/>
+        <p:txBody>
+          <a:bodyPr/>
+          <a:lstStyle/>
+          <a:p>
+            <a:pPr marL="342900" indent="-342900">
+              <a:buFont typeface="Arial" panose="020B0604020202020204" pitchFamily="34" charset="0"/>
+              <a:buChar char="•"/>
+            </a:pPr>
+            <a:r>
+              <a:rPr lang="en-US" dirty="0"/>
+              <a:t>Data analysis was performed in </a:t>
+            </a:r>
+            <a:r>
+              <a:rPr lang="en-US" dirty="0" err="1"/>
+              <a:t>Jupyter</a:t>
+            </a:r>
+            <a:r>
+              <a:rPr lang="en-US" dirty="0"/>
+              <a:t> Notebook, and has been uploaded to a GIT repository:</a:t>
+            </a:r>
+          </a:p>
+          <a:p>
+            <a:pPr marL="1333451" lvl="1" indent="-342900">
+              <a:buFont typeface="Arial" panose="020B0604020202020204" pitchFamily="34" charset="0"/>
+              <a:buChar char="•"/>
+            </a:pPr>
+            <a:r>
+              <a:rPr lang="en-US" dirty="0">
+                <a:hlinkClick r:id="rId2"/>
+              </a:rPr>
+              <a:t>https://github.com/mwy912/capstone/</a:t>
+            </a:r>
+            <a:endParaRPr lang="en-US" dirty="0"/>
+          </a:p>
+          <a:p>
+            <a:pPr lvl="1" indent="0">
+              <a:buNone/>
+            </a:pPr>
+            <a:endParaRPr lang="en-US" dirty="0"/>
+          </a:p>
+          <a:p>
+            <a:pPr marL="342900" indent="-342900">
+              <a:buFont typeface="Arial" panose="020B0604020202020204" pitchFamily="34" charset="0"/>
+              <a:buChar char="•"/>
+            </a:pPr>
+            <a:r>
+              <a:rPr lang="en-US" dirty="0"/>
+              <a:t>The visualization of my results are in this R Shiny web app:</a:t>
+            </a:r>
+          </a:p>
+          <a:p>
+            <a:pPr marL="1333451" lvl="1" indent="-342900">
+              <a:buFont typeface="Arial" panose="020B0604020202020204" pitchFamily="34" charset="0"/>
+              <a:buChar char="•"/>
+            </a:pPr>
+            <a:r>
+              <a:rPr lang="en-US" dirty="0">
+                <a:hlinkClick r:id="rId3"/>
+              </a:rPr>
+              <a:t>https://shiny.sgn.missouri.edu/students/ymw.0780/Capstone/meteoriteanalysis/</a:t>
+            </a:r>
+            <a:endParaRPr lang="en-US" dirty="0"/>
+          </a:p>
+          <a:p>
+            <a:pPr marL="1333451" lvl="1" indent="-342900">
+              <a:buFont typeface="Arial" panose="020B0604020202020204" pitchFamily="34" charset="0"/>
+              <a:buChar char="•"/>
+            </a:pPr>
+            <a:endParaRPr lang="en-US" dirty="0"/>
+          </a:p>
+          <a:p>
+            <a:pPr marL="342900" indent="-342900">
+              <a:buFont typeface="Arial" panose="020B0604020202020204" pitchFamily="34" charset="0"/>
+              <a:buChar char="•"/>
+            </a:pPr>
+            <a:r>
+              <a:rPr lang="en-US" dirty="0"/>
+              <a:t>I performed various analyses to answer the goal questions, which will be demonstrated through the visualization screen shots on the following slides.</a:t>
+            </a:r>
+          </a:p>
+          <a:p>
+            <a:pPr marL="342900" indent="-342900">
+              <a:buFont typeface="Arial" panose="020B0604020202020204" pitchFamily="34" charset="0"/>
+              <a:buChar char="•"/>
+            </a:pPr>
+            <a:endParaRPr lang="en-US" dirty="0"/>
+          </a:p>
+          <a:p>
+            <a:endParaRPr lang="en-US" dirty="0"/>
+          </a:p>
+        </p:txBody>
+      </p:sp>
+    </p:spTree>
+    <p:extLst>
+      <p:ext uri="{BB962C8B-B14F-4D97-AF65-F5344CB8AC3E}">
+        <p14:creationId xmlns:p14="http://schemas.microsoft.com/office/powerpoint/2010/main" val="3108569656"/>
+      </p:ext>
+    </p:extLst>
+  </p:cSld>
+  <p:clrMapOvr>
+    <a:masterClrMapping/>
+  </p:clrMapOvr>
+  <mc:AlternateContent xmlns:mc="http://schemas.openxmlformats.org/markup-compatibility/2006" xmlns:p14="http://schemas.microsoft.com/office/powerpoint/2010/main">
+    <mc:Choice Requires="p14">
+      <p:transition spd="med" p14:dur="700">
+        <p:fade/>
+      </p:transition>
+    </mc:Choice>
+    <mc:Fallback xmlns="">
+      <p:transition spd="med">
+        <p:fade/>
+      </p:transition>
+    </mc:Fallback>
+  </mc:AlternateContent>
+</p:sld>
+</file>
+
+<file path=ppt/slides/slide11.xml><?xml version="1.0" encoding="utf-8"?>
+<p:sld xmlns:a="http://schemas.openxmlformats.org/drawingml/2006/main" xmlns:r="http://schemas.openxmlformats.org/officeDocument/2006/relationships" xmlns:p="http://schemas.openxmlformats.org/presentationml/2006/main">
+  <p:cSld>
+    <p:spTree>
+      <p:nvGrpSpPr>
+        <p:cNvPr id="1" name=""/>
+        <p:cNvGrpSpPr/>
+        <p:nvPr/>
+      </p:nvGrpSpPr>
+      <p:grpSpPr>
+        <a:xfrm>
+          <a:off x="0" y="0"/>
+          <a:ext cx="0" cy="0"/>
+          <a:chOff x="0" y="0"/>
+          <a:chExt cx="0" cy="0"/>
+        </a:xfrm>
+      </p:grpSpPr>
+      <p:sp>
+        <p:nvSpPr>
+          <p:cNvPr id="2" name="Title 1">
+            <a:extLst>
+              <a:ext uri="{FF2B5EF4-FFF2-40B4-BE49-F238E27FC236}">
+                <a16:creationId xmlns:a16="http://schemas.microsoft.com/office/drawing/2014/main" id="{B1E64E26-F3D3-4B78-8C9A-F173954FCE37}"/>
+              </a:ext>
+            </a:extLst>
+          </p:cNvPr>
+          <p:cNvSpPr>
+            <a:spLocks noGrp="1"/>
+          </p:cNvSpPr>
+          <p:nvPr>
+            <p:ph type="title"/>
+          </p:nvPr>
+        </p:nvSpPr>
+        <p:spPr/>
+        <p:txBody>
+          <a:bodyPr/>
+          <a:lstStyle/>
+          <a:p>
+            <a:r>
+              <a:rPr lang="en-US" dirty="0"/>
+              <a:t>Shiny Web App Visualization</a:t>
+            </a:r>
+          </a:p>
+        </p:txBody>
+      </p:sp>
+      <p:pic>
+        <p:nvPicPr>
+          <p:cNvPr id="5" name="Picture 4">
+            <a:extLst>
+              <a:ext uri="{FF2B5EF4-FFF2-40B4-BE49-F238E27FC236}">
+                <a16:creationId xmlns:a16="http://schemas.microsoft.com/office/drawing/2014/main" id="{DDE67E94-1224-4B96-897D-918F8187C58A}"/>
+              </a:ext>
+            </a:extLst>
+          </p:cNvPr>
+          <p:cNvPicPr>
+            <a:picLocks noChangeAspect="1"/>
+          </p:cNvPicPr>
+          <p:nvPr/>
+        </p:nvPicPr>
+        <p:blipFill>
+          <a:blip r:embed="rId2">
+            <a:extLst>
+              <a:ext uri="{28A0092B-C50C-407E-A947-70E740481C1C}">
+                <a14:useLocalDpi xmlns:a14="http://schemas.microsoft.com/office/drawing/2010/main" val="0"/>
+              </a:ext>
+            </a:extLst>
+          </a:blip>
+          <a:stretch>
+            <a:fillRect/>
+          </a:stretch>
+        </p:blipFill>
+        <p:spPr>
+          <a:xfrm>
+            <a:off x="144773" y="2621353"/>
+            <a:ext cx="6096851" cy="3677163"/>
+          </a:xfrm>
+          <a:prstGeom prst="rect">
+            <a:avLst/>
+          </a:prstGeom>
+          <a:ln>
+            <a:noFill/>
+          </a:ln>
+          <a:effectLst>
+            <a:outerShdw blurRad="190500" algn="tl" rotWithShape="0">
+              <a:srgbClr val="000000">
+                <a:alpha val="70000"/>
+              </a:srgbClr>
+            </a:outerShdw>
+          </a:effectLst>
+        </p:spPr>
+      </p:pic>
+      <p:pic>
+        <p:nvPicPr>
+          <p:cNvPr id="4" name="Content Placeholder 4">
+            <a:extLst>
+              <a:ext uri="{FF2B5EF4-FFF2-40B4-BE49-F238E27FC236}">
+                <a16:creationId xmlns:a16="http://schemas.microsoft.com/office/drawing/2014/main" id="{88592D95-0C69-468D-A899-815C04039EEC}"/>
+              </a:ext>
+            </a:extLst>
+          </p:cNvPr>
+          <p:cNvPicPr>
+            <a:picLocks noGrp="1" noChangeAspect="1"/>
+          </p:cNvPicPr>
+          <p:nvPr>
+            <p:ph idx="1"/>
+          </p:nvPr>
+        </p:nvPicPr>
+        <p:blipFill>
+          <a:blip r:embed="rId3">
+            <a:extLst>
+              <a:ext uri="{28A0092B-C50C-407E-A947-70E740481C1C}">
+                <a14:useLocalDpi xmlns:a14="http://schemas.microsoft.com/office/drawing/2010/main" val="0"/>
+              </a:ext>
+            </a:extLst>
+          </a:blip>
+          <a:stretch>
+            <a:fillRect/>
+          </a:stretch>
+        </p:blipFill>
+        <p:spPr>
+          <a:xfrm>
+            <a:off x="4805041" y="1374613"/>
+            <a:ext cx="6777359" cy="4108774"/>
+          </a:xfrm>
+          <a:prstGeom prst="rect">
+            <a:avLst/>
+          </a:prstGeom>
+          <a:ln>
+            <a:noFill/>
+          </a:ln>
+          <a:effectLst>
+            <a:outerShdw blurRad="190500" algn="tl" rotWithShape="0">
+              <a:srgbClr val="000000">
+                <a:alpha val="70000"/>
+              </a:srgbClr>
+            </a:outerShdw>
+          </a:effectLst>
+        </p:spPr>
+      </p:pic>
+    </p:spTree>
+    <p:extLst>
+      <p:ext uri="{BB962C8B-B14F-4D97-AF65-F5344CB8AC3E}">
+        <p14:creationId xmlns:p14="http://schemas.microsoft.com/office/powerpoint/2010/main" val="44832308"/>
+      </p:ext>
+    </p:extLst>
+  </p:cSld>
+  <p:clrMapOvr>
+    <a:masterClrMapping/>
+  </p:clrMapOvr>
+  <mc:AlternateContent xmlns:mc="http://schemas.openxmlformats.org/markup-compatibility/2006" xmlns:p14="http://schemas.microsoft.com/office/powerpoint/2010/main">
+    <mc:Choice Requires="p14">
+      <p:transition spd="med" p14:dur="700">
+        <p:fade/>
+      </p:transition>
+    </mc:Choice>
+    <mc:Fallback xmlns="">
+      <p:transition spd="med">
+        <p:fade/>
+      </p:transition>
+    </mc:Fallback>
+  </mc:AlternateContent>
+</p:sld>
+</file>
+
+<file path=ppt/slides/slide12.xml><?xml version="1.0" encoding="utf-8"?>
+<p:sld xmlns:a="http://schemas.openxmlformats.org/drawingml/2006/main" xmlns:r="http://schemas.openxmlformats.org/officeDocument/2006/relationships" xmlns:p="http://schemas.openxmlformats.org/presentationml/2006/main">
+  <p:cSld>
+    <p:spTree>
+      <p:nvGrpSpPr>
+        <p:cNvPr id="1" name=""/>
+        <p:cNvGrpSpPr/>
+        <p:nvPr/>
+      </p:nvGrpSpPr>
+      <p:grpSpPr>
+        <a:xfrm>
+          <a:off x="0" y="0"/>
+          <a:ext cx="0" cy="0"/>
+          <a:chOff x="0" y="0"/>
+          <a:chExt cx="0" cy="0"/>
+        </a:xfrm>
+      </p:grpSpPr>
+      <p:sp>
+        <p:nvSpPr>
+          <p:cNvPr id="2" name="Title 1">
+            <a:extLst>
+              <a:ext uri="{FF2B5EF4-FFF2-40B4-BE49-F238E27FC236}">
+                <a16:creationId xmlns:a16="http://schemas.microsoft.com/office/drawing/2014/main" id="{502225D3-42B6-41D1-ACB4-C8267CB3DA98}"/>
+              </a:ext>
+            </a:extLst>
+          </p:cNvPr>
+          <p:cNvSpPr>
+            <a:spLocks noGrp="1"/>
+          </p:cNvSpPr>
+          <p:nvPr>
+            <p:ph type="title"/>
+          </p:nvPr>
+        </p:nvSpPr>
+        <p:spPr/>
+        <p:txBody>
+          <a:bodyPr/>
+          <a:lstStyle/>
+          <a:p>
+            <a:r>
+              <a:rPr lang="en-US" dirty="0"/>
+              <a:t>Analysis, Visualization, and Results: Goal 1</a:t>
+            </a:r>
+          </a:p>
+        </p:txBody>
+      </p:sp>
+      <p:sp>
+        <p:nvSpPr>
+          <p:cNvPr id="3" name="Content Placeholder 2">
+            <a:extLst>
+              <a:ext uri="{FF2B5EF4-FFF2-40B4-BE49-F238E27FC236}">
+                <a16:creationId xmlns:a16="http://schemas.microsoft.com/office/drawing/2014/main" id="{08DE1D8A-B04F-4B51-B7BF-680EF23C2646}"/>
+              </a:ext>
+            </a:extLst>
+          </p:cNvPr>
+          <p:cNvSpPr>
+            <a:spLocks noGrp="1"/>
+          </p:cNvSpPr>
+          <p:nvPr>
+            <p:ph idx="1"/>
+          </p:nvPr>
+        </p:nvSpPr>
+        <p:spPr>
+          <a:xfrm>
+            <a:off x="609600" y="1600204"/>
+            <a:ext cx="4876800" cy="4165599"/>
+          </a:xfrm>
+        </p:spPr>
+        <p:txBody>
+          <a:bodyPr>
+            <a:normAutofit/>
+          </a:bodyPr>
+          <a:lstStyle/>
+          <a:p>
+            <a:pPr marL="342900" indent="-342900">
+              <a:buFont typeface="Arial" panose="020B0604020202020204" pitchFamily="34" charset="0"/>
+              <a:buChar char="•"/>
+            </a:pPr>
+            <a:r>
+              <a:rPr lang="en-US" sz="1800" i="1" dirty="0">
+                <a:solidFill>
+                  <a:schemeClr val="bg1">
+                    <a:lumMod val="75000"/>
+                  </a:schemeClr>
+                </a:solidFill>
+              </a:rPr>
+              <a:t>Do meteorites fall at random or are there patterns to their impact locations?</a:t>
+            </a:r>
+          </a:p>
+          <a:p>
+            <a:pPr marL="342900" indent="-342900">
+              <a:buFont typeface="Arial" panose="020B0604020202020204" pitchFamily="34" charset="0"/>
+              <a:buChar char="•"/>
+            </a:pPr>
+            <a:r>
+              <a:rPr lang="en-US" sz="1800" dirty="0"/>
+              <a:t>Used a Machine Learning technique to create K-Modes Clusters.  </a:t>
+            </a:r>
+          </a:p>
+          <a:p>
+            <a:pPr marL="342900" indent="-342900">
+              <a:buFont typeface="Arial" panose="020B0604020202020204" pitchFamily="34" charset="0"/>
+              <a:buChar char="•"/>
+            </a:pPr>
+            <a:r>
+              <a:rPr lang="en-US" sz="1800" dirty="0"/>
+              <a:t>Unsupervised method that grouped meteorite impacts into 7 clusters</a:t>
+            </a:r>
+          </a:p>
+          <a:p>
+            <a:pPr marL="342900" indent="-342900">
+              <a:buFont typeface="Arial" panose="020B0604020202020204" pitchFamily="34" charset="0"/>
+              <a:buChar char="•"/>
+            </a:pPr>
+            <a:r>
+              <a:rPr lang="en-US" sz="1800" dirty="0"/>
+              <a:t>Found most meteorites were lumped into a “Catch All” cluster, while the other 6 were more specific, either on date, mass, or location</a:t>
+            </a:r>
+            <a:r>
+              <a:rPr lang="en-US" sz="1800" i="1" dirty="0">
+                <a:solidFill>
+                  <a:schemeClr val="bg1">
+                    <a:lumMod val="75000"/>
+                  </a:schemeClr>
+                </a:solidFill>
+              </a:rPr>
+              <a:t>.  </a:t>
+            </a:r>
+          </a:p>
+        </p:txBody>
+      </p:sp>
+      <p:pic>
+        <p:nvPicPr>
+          <p:cNvPr id="6" name="Picture 5">
+            <a:extLst>
+              <a:ext uri="{FF2B5EF4-FFF2-40B4-BE49-F238E27FC236}">
+                <a16:creationId xmlns:a16="http://schemas.microsoft.com/office/drawing/2014/main" id="{037010A6-E1ED-442E-86B1-22663F5A284C}"/>
+              </a:ext>
+            </a:extLst>
+          </p:cNvPr>
+          <p:cNvPicPr>
+            <a:picLocks noChangeAspect="1"/>
+          </p:cNvPicPr>
+          <p:nvPr/>
+        </p:nvPicPr>
+        <p:blipFill>
+          <a:blip r:embed="rId2">
+            <a:extLst>
+              <a:ext uri="{28A0092B-C50C-407E-A947-70E740481C1C}">
+                <a14:useLocalDpi xmlns:a14="http://schemas.microsoft.com/office/drawing/2010/main" val="0"/>
+              </a:ext>
+            </a:extLst>
+          </a:blip>
+          <a:stretch>
+            <a:fillRect/>
+          </a:stretch>
+        </p:blipFill>
+        <p:spPr>
+          <a:xfrm>
+            <a:off x="5485549" y="1599685"/>
+            <a:ext cx="6096851" cy="3658111"/>
+          </a:xfrm>
+          <a:prstGeom prst="rect">
+            <a:avLst/>
+          </a:prstGeom>
+          <a:ln>
+            <a:noFill/>
+          </a:ln>
+          <a:effectLst>
+            <a:outerShdw blurRad="190500" algn="tl" rotWithShape="0">
+              <a:srgbClr val="000000">
+                <a:alpha val="70000"/>
+              </a:srgbClr>
+            </a:outerShdw>
+          </a:effectLst>
+        </p:spPr>
+      </p:pic>
+    </p:spTree>
+    <p:extLst>
+      <p:ext uri="{BB962C8B-B14F-4D97-AF65-F5344CB8AC3E}">
+        <p14:creationId xmlns:p14="http://schemas.microsoft.com/office/powerpoint/2010/main" val="2272577211"/>
+      </p:ext>
+    </p:extLst>
+  </p:cSld>
+  <p:clrMapOvr>
+    <a:masterClrMapping/>
+  </p:clrMapOvr>
+  <mc:AlternateContent xmlns:mc="http://schemas.openxmlformats.org/markup-compatibility/2006" xmlns:p14="http://schemas.microsoft.com/office/powerpoint/2010/main">
+    <mc:Choice Requires="p14">
+      <p:transition spd="med" p14:dur="700">
+        <p:fade/>
+      </p:transition>
+    </mc:Choice>
+    <mc:Fallback xmlns="">
+      <p:transition spd="med">
+        <p:fade/>
+      </p:transition>
+    </mc:Fallback>
+  </mc:AlternateContent>
+</p:sld>
+</file>
+
+<file path=ppt/slides/slide13.xml><?xml version="1.0" encoding="utf-8"?>
+<p:sld xmlns:a="http://schemas.openxmlformats.org/drawingml/2006/main" xmlns:r="http://schemas.openxmlformats.org/officeDocument/2006/relationships" xmlns:p="http://schemas.openxmlformats.org/presentationml/2006/main">
+  <p:cSld>
+    <p:spTree>
+      <p:nvGrpSpPr>
+        <p:cNvPr id="1" name=""/>
+        <p:cNvGrpSpPr/>
+        <p:nvPr/>
+      </p:nvGrpSpPr>
+      <p:grpSpPr>
+        <a:xfrm>
+          <a:off x="0" y="0"/>
+          <a:ext cx="0" cy="0"/>
+          <a:chOff x="0" y="0"/>
+          <a:chExt cx="0" cy="0"/>
+        </a:xfrm>
+      </p:grpSpPr>
+      <p:sp>
+        <p:nvSpPr>
+          <p:cNvPr id="2" name="Title 1">
+            <a:extLst>
+              <a:ext uri="{FF2B5EF4-FFF2-40B4-BE49-F238E27FC236}">
+                <a16:creationId xmlns:a16="http://schemas.microsoft.com/office/drawing/2014/main" id="{3B7A9BD6-2920-4075-910C-0472D993C265}"/>
+              </a:ext>
+            </a:extLst>
+          </p:cNvPr>
+          <p:cNvSpPr>
+            <a:spLocks noGrp="1"/>
+          </p:cNvSpPr>
+          <p:nvPr>
+            <p:ph type="title"/>
+          </p:nvPr>
+        </p:nvSpPr>
+        <p:spPr/>
+        <p:txBody>
+          <a:bodyPr/>
+          <a:lstStyle/>
+          <a:p>
+            <a:r>
+              <a:rPr lang="en-US" dirty="0"/>
+              <a:t>Analysis, Visualization, and Results: Goal 1</a:t>
+            </a:r>
+          </a:p>
+        </p:txBody>
+      </p:sp>
+      <p:sp>
+        <p:nvSpPr>
+          <p:cNvPr id="6" name="Content Placeholder 2">
+            <a:extLst>
+              <a:ext uri="{FF2B5EF4-FFF2-40B4-BE49-F238E27FC236}">
+                <a16:creationId xmlns:a16="http://schemas.microsoft.com/office/drawing/2014/main" id="{92FF575E-87AD-4E26-97CE-C28F91CC110B}"/>
+              </a:ext>
+            </a:extLst>
+          </p:cNvPr>
+          <p:cNvSpPr>
+            <a:spLocks noGrp="1"/>
+          </p:cNvSpPr>
+          <p:nvPr>
+            <p:ph idx="1"/>
+          </p:nvPr>
+        </p:nvSpPr>
+        <p:spPr>
+          <a:xfrm>
+            <a:off x="609600" y="1600200"/>
+            <a:ext cx="3699753" cy="4165600"/>
+          </a:xfrm>
+        </p:spPr>
+        <p:txBody>
+          <a:bodyPr>
+            <a:normAutofit/>
+          </a:bodyPr>
+          <a:lstStyle/>
+          <a:p>
+            <a:pPr marL="342900" indent="-342900">
+              <a:buFont typeface="Arial" panose="020B0604020202020204" pitchFamily="34" charset="0"/>
+              <a:buChar char="•"/>
+            </a:pPr>
+            <a:r>
+              <a:rPr lang="en-US" sz="1800" i="1" dirty="0">
+                <a:solidFill>
+                  <a:schemeClr val="bg1">
+                    <a:lumMod val="75000"/>
+                  </a:schemeClr>
+                </a:solidFill>
+              </a:rPr>
+              <a:t>Do meteorites fall at random or are there patterns to their impact locations?</a:t>
+            </a:r>
+          </a:p>
+          <a:p>
+            <a:pPr marL="342900" indent="-342900">
+              <a:buFont typeface="Arial" panose="020B0604020202020204" pitchFamily="34" charset="0"/>
+              <a:buChar char="•"/>
+            </a:pPr>
+            <a:r>
+              <a:rPr lang="en-US" sz="1800" dirty="0"/>
+              <a:t>Probability Density Function comparing mass to land cover</a:t>
+            </a:r>
+          </a:p>
+          <a:p>
+            <a:pPr marL="342900" indent="-342900">
+              <a:buFont typeface="Arial" panose="020B0604020202020204" pitchFamily="34" charset="0"/>
+              <a:buChar char="•"/>
+            </a:pPr>
+            <a:r>
+              <a:rPr lang="en-US" sz="1800" dirty="0"/>
+              <a:t>Wooded Tundra, Tropical Woodland and Tropical Forest are most likely to have low mass meteorites.</a:t>
+            </a:r>
+          </a:p>
+          <a:p>
+            <a:pPr marL="342900" indent="-342900">
+              <a:buFont typeface="Arial" panose="020B0604020202020204" pitchFamily="34" charset="0"/>
+              <a:buChar char="•"/>
+            </a:pPr>
+            <a:endParaRPr lang="en-US" sz="1800" i="1" dirty="0">
+              <a:solidFill>
+                <a:schemeClr val="bg1">
+                  <a:lumMod val="75000"/>
+                </a:schemeClr>
+              </a:solidFill>
+            </a:endParaRPr>
+          </a:p>
+        </p:txBody>
+      </p:sp>
+      <p:pic>
+        <p:nvPicPr>
+          <p:cNvPr id="7" name="Picture 6">
+            <a:extLst>
+              <a:ext uri="{FF2B5EF4-FFF2-40B4-BE49-F238E27FC236}">
+                <a16:creationId xmlns:a16="http://schemas.microsoft.com/office/drawing/2014/main" id="{83E53347-FC85-4817-93F8-0E264482E12B}"/>
+              </a:ext>
+            </a:extLst>
+          </p:cNvPr>
+          <p:cNvPicPr>
+            <a:picLocks noChangeAspect="1"/>
+          </p:cNvPicPr>
+          <p:nvPr/>
+        </p:nvPicPr>
+        <p:blipFill>
+          <a:blip r:embed="rId2">
+            <a:extLst>
+              <a:ext uri="{28A0092B-C50C-407E-A947-70E740481C1C}">
+                <a14:useLocalDpi xmlns:a14="http://schemas.microsoft.com/office/drawing/2010/main" val="0"/>
+              </a:ext>
+            </a:extLst>
+          </a:blip>
+          <a:stretch>
+            <a:fillRect/>
+          </a:stretch>
+        </p:blipFill>
+        <p:spPr>
+          <a:xfrm>
+            <a:off x="5485549" y="1327966"/>
+            <a:ext cx="6096851" cy="3677163"/>
+          </a:xfrm>
+          <a:prstGeom prst="rect">
+            <a:avLst/>
+          </a:prstGeom>
+          <a:ln>
+            <a:noFill/>
+          </a:ln>
+          <a:effectLst>
+            <a:outerShdw blurRad="190500" algn="tl" rotWithShape="0">
+              <a:srgbClr val="000000">
+                <a:alpha val="70000"/>
+              </a:srgbClr>
+            </a:outerShdw>
+          </a:effectLst>
+        </p:spPr>
+      </p:pic>
+      <p:pic>
+        <p:nvPicPr>
+          <p:cNvPr id="8" name="Picture 7">
+            <a:extLst>
+              <a:ext uri="{FF2B5EF4-FFF2-40B4-BE49-F238E27FC236}">
+                <a16:creationId xmlns:a16="http://schemas.microsoft.com/office/drawing/2014/main" id="{249D25FA-0DC2-483C-90BD-C5D4FB3D97C8}"/>
+              </a:ext>
+            </a:extLst>
+          </p:cNvPr>
+          <p:cNvPicPr>
+            <a:picLocks noChangeAspect="1"/>
+          </p:cNvPicPr>
+          <p:nvPr/>
+        </p:nvPicPr>
+        <p:blipFill>
+          <a:blip r:embed="rId3">
+            <a:extLst>
+              <a:ext uri="{28A0092B-C50C-407E-A947-70E740481C1C}">
+                <a14:useLocalDpi xmlns:a14="http://schemas.microsoft.com/office/drawing/2010/main" val="0"/>
+              </a:ext>
+            </a:extLst>
+          </a:blip>
+          <a:stretch>
+            <a:fillRect/>
+          </a:stretch>
+        </p:blipFill>
+        <p:spPr>
+          <a:xfrm>
+            <a:off x="4309353" y="3249534"/>
+            <a:ext cx="6096851" cy="3705742"/>
+          </a:xfrm>
+          <a:prstGeom prst="rect">
+            <a:avLst/>
+          </a:prstGeom>
+          <a:ln>
+            <a:noFill/>
+          </a:ln>
+          <a:effectLst>
+            <a:outerShdw blurRad="190500" algn="tl" rotWithShape="0">
+              <a:srgbClr val="000000">
+                <a:alpha val="70000"/>
+              </a:srgbClr>
+            </a:outerShdw>
+          </a:effectLst>
+        </p:spPr>
+      </p:pic>
+    </p:spTree>
+    <p:extLst>
+      <p:ext uri="{BB962C8B-B14F-4D97-AF65-F5344CB8AC3E}">
+        <p14:creationId xmlns:p14="http://schemas.microsoft.com/office/powerpoint/2010/main" val="2692583698"/>
+      </p:ext>
+    </p:extLst>
+  </p:cSld>
+  <p:clrMapOvr>
+    <a:masterClrMapping/>
+  </p:clrMapOvr>
+  <mc:AlternateContent xmlns:mc="http://schemas.openxmlformats.org/markup-compatibility/2006" xmlns:p14="http://schemas.microsoft.com/office/powerpoint/2010/main">
+    <mc:Choice Requires="p14">
+      <p:transition spd="med" p14:dur="700">
+        <p:fade/>
+      </p:transition>
+    </mc:Choice>
+    <mc:Fallback xmlns="">
+      <p:transition spd="med">
+        <p:fade/>
+      </p:transition>
+    </mc:Fallback>
+  </mc:AlternateContent>
+</p:sld>
+</file>
+
+<file path=ppt/slides/slide14.xml><?xml version="1.0" encoding="utf-8"?>
+<p:sld xmlns:a="http://schemas.openxmlformats.org/drawingml/2006/main" xmlns:r="http://schemas.openxmlformats.org/officeDocument/2006/relationships" xmlns:p="http://schemas.openxmlformats.org/presentationml/2006/main">
+  <p:cSld>
+    <p:spTree>
+      <p:nvGrpSpPr>
+        <p:cNvPr id="1" name=""/>
+        <p:cNvGrpSpPr/>
+        <p:nvPr/>
+      </p:nvGrpSpPr>
+      <p:grpSpPr>
+        <a:xfrm>
+          <a:off x="0" y="0"/>
+          <a:ext cx="0" cy="0"/>
+          <a:chOff x="0" y="0"/>
+          <a:chExt cx="0" cy="0"/>
+        </a:xfrm>
+      </p:grpSpPr>
+      <p:sp>
+        <p:nvSpPr>
+          <p:cNvPr id="2" name="Title 1">
+            <a:extLst>
+              <a:ext uri="{FF2B5EF4-FFF2-40B4-BE49-F238E27FC236}">
+                <a16:creationId xmlns:a16="http://schemas.microsoft.com/office/drawing/2014/main" id="{502225D3-42B6-41D1-ACB4-C8267CB3DA98}"/>
+              </a:ext>
+            </a:extLst>
+          </p:cNvPr>
+          <p:cNvSpPr>
+            <a:spLocks noGrp="1"/>
+          </p:cNvSpPr>
+          <p:nvPr>
+            <p:ph type="title"/>
+          </p:nvPr>
+        </p:nvSpPr>
+        <p:spPr/>
+        <p:txBody>
+          <a:bodyPr/>
+          <a:lstStyle/>
+          <a:p>
+            <a:r>
+              <a:rPr lang="en-US" dirty="0"/>
+              <a:t>Analysis, Visualization, and Results: Goal 2 &amp; 3</a:t>
+            </a:r>
+          </a:p>
+        </p:txBody>
+      </p:sp>
+      <p:sp>
+        <p:nvSpPr>
+          <p:cNvPr id="3" name="Content Placeholder 2">
+            <a:extLst>
+              <a:ext uri="{FF2B5EF4-FFF2-40B4-BE49-F238E27FC236}">
+                <a16:creationId xmlns:a16="http://schemas.microsoft.com/office/drawing/2014/main" id="{08DE1D8A-B04F-4B51-B7BF-680EF23C2646}"/>
+              </a:ext>
+            </a:extLst>
+          </p:cNvPr>
+          <p:cNvSpPr>
+            <a:spLocks noGrp="1"/>
+          </p:cNvSpPr>
+          <p:nvPr>
+            <p:ph idx="1"/>
+          </p:nvPr>
+        </p:nvSpPr>
+        <p:spPr>
+          <a:xfrm>
+            <a:off x="609601" y="1600204"/>
+            <a:ext cx="4477966" cy="4165599"/>
+          </a:xfrm>
+        </p:spPr>
+        <p:txBody>
+          <a:bodyPr>
+            <a:normAutofit lnSpcReduction="10000"/>
+          </a:bodyPr>
+          <a:lstStyle/>
+          <a:p>
+            <a:pPr marL="342900" indent="-342900">
+              <a:buFont typeface="Arial" panose="020B0604020202020204" pitchFamily="34" charset="0"/>
+              <a:buChar char="•"/>
+            </a:pPr>
+            <a:r>
+              <a:rPr lang="en-US" sz="1800" i="1" dirty="0">
+                <a:solidFill>
+                  <a:schemeClr val="bg1">
+                    <a:lumMod val="75000"/>
+                  </a:schemeClr>
+                </a:solidFill>
+              </a:rPr>
+              <a:t>Are the numbers of meteorite falls consistent over history or are they changing? </a:t>
+            </a:r>
+          </a:p>
+          <a:p>
+            <a:pPr marL="342900" indent="-342900">
+              <a:buFont typeface="Arial" panose="020B0604020202020204" pitchFamily="34" charset="0"/>
+              <a:buChar char="•"/>
+            </a:pPr>
+            <a:r>
+              <a:rPr lang="en-US" sz="1800" i="1" dirty="0">
+                <a:solidFill>
+                  <a:schemeClr val="bg1">
+                    <a:lumMod val="75000"/>
+                  </a:schemeClr>
+                </a:solidFill>
+              </a:rPr>
+              <a:t>Is there any connection to population? Are there more falls recorded because more people to see it and more finds because people are in the area? </a:t>
+            </a:r>
+          </a:p>
+          <a:p>
+            <a:pPr marL="342900" indent="-342900">
+              <a:buFont typeface="Arial" panose="020B0604020202020204" pitchFamily="34" charset="0"/>
+              <a:buChar char="•"/>
+            </a:pPr>
+            <a:r>
+              <a:rPr lang="en-US" sz="1800" dirty="0"/>
+              <a:t>The numbers are increasing, and have since the 1700s, even when normalized against population.</a:t>
+            </a:r>
+          </a:p>
+          <a:p>
+            <a:pPr marL="1333451" lvl="1" indent="-342900">
+              <a:buFont typeface="Arial" panose="020B0604020202020204" pitchFamily="34" charset="0"/>
+              <a:buChar char="•"/>
+            </a:pPr>
+            <a:r>
+              <a:rPr lang="en-US" sz="1534" dirty="0"/>
+              <a:t>Spurious correlation? </a:t>
+            </a:r>
+          </a:p>
+          <a:p>
+            <a:pPr marL="1333451" lvl="1" indent="-342900">
+              <a:buFont typeface="Arial" panose="020B0604020202020204" pitchFamily="34" charset="0"/>
+              <a:buChar char="•"/>
+            </a:pPr>
+            <a:r>
+              <a:rPr lang="en-US" sz="1534" dirty="0"/>
+              <a:t>Better record keeping? </a:t>
+            </a:r>
+          </a:p>
+          <a:p>
+            <a:pPr marL="1333451" lvl="1" indent="-342900">
+              <a:buFont typeface="Arial" panose="020B0604020202020204" pitchFamily="34" charset="0"/>
+              <a:buChar char="•"/>
+            </a:pPr>
+            <a:r>
+              <a:rPr lang="en-US" sz="1534" dirty="0"/>
+              <a:t>Par for the course for 2020?  Meteorite bombardment comes right after murder hornets, right?</a:t>
+            </a:r>
+          </a:p>
+        </p:txBody>
+      </p:sp>
+      <p:pic>
+        <p:nvPicPr>
+          <p:cNvPr id="6" name="Picture 5">
+            <a:extLst>
+              <a:ext uri="{FF2B5EF4-FFF2-40B4-BE49-F238E27FC236}">
+                <a16:creationId xmlns:a16="http://schemas.microsoft.com/office/drawing/2014/main" id="{2B7706ED-0904-4886-A2A8-F4043586F8F4}"/>
+              </a:ext>
+            </a:extLst>
+          </p:cNvPr>
+          <p:cNvPicPr>
+            <a:picLocks noChangeAspect="1"/>
+          </p:cNvPicPr>
+          <p:nvPr/>
+        </p:nvPicPr>
+        <p:blipFill>
+          <a:blip r:embed="rId2">
+            <a:extLst>
+              <a:ext uri="{28A0092B-C50C-407E-A947-70E740481C1C}">
+                <a14:useLocalDpi xmlns:a14="http://schemas.microsoft.com/office/drawing/2010/main" val="0"/>
+              </a:ext>
+            </a:extLst>
+          </a:blip>
+          <a:stretch>
+            <a:fillRect/>
+          </a:stretch>
+        </p:blipFill>
+        <p:spPr>
+          <a:xfrm>
+            <a:off x="5275208" y="1600204"/>
+            <a:ext cx="6597885" cy="3969040"/>
+          </a:xfrm>
+          <a:prstGeom prst="rect">
+            <a:avLst/>
+          </a:prstGeom>
+          <a:ln>
+            <a:noFill/>
+          </a:ln>
+          <a:effectLst>
+            <a:outerShdw blurRad="190500" algn="tl" rotWithShape="0">
+              <a:srgbClr val="000000">
+                <a:alpha val="70000"/>
+              </a:srgbClr>
+            </a:outerShdw>
+          </a:effectLst>
+        </p:spPr>
+      </p:pic>
+    </p:spTree>
+    <p:extLst>
+      <p:ext uri="{BB962C8B-B14F-4D97-AF65-F5344CB8AC3E}">
+        <p14:creationId xmlns:p14="http://schemas.microsoft.com/office/powerpoint/2010/main" val="2251745097"/>
+      </p:ext>
+    </p:extLst>
+  </p:cSld>
+  <p:clrMapOvr>
+    <a:masterClrMapping/>
+  </p:clrMapOvr>
+  <mc:AlternateContent xmlns:mc="http://schemas.openxmlformats.org/markup-compatibility/2006" xmlns:p14="http://schemas.microsoft.com/office/powerpoint/2010/main">
+    <mc:Choice Requires="p14">
+      <p:transition spd="med" p14:dur="700">
+        <p:fade/>
+      </p:transition>
+    </mc:Choice>
+    <mc:Fallback xmlns="">
+      <p:transition spd="med">
+        <p:fade/>
+      </p:transition>
+    </mc:Fallback>
+  </mc:AlternateContent>
+</p:sld>
+</file>
+
+<file path=ppt/slides/slide15.xml><?xml version="1.0" encoding="utf-8"?>
+<p:sld xmlns:a="http://schemas.openxmlformats.org/drawingml/2006/main" xmlns:r="http://schemas.openxmlformats.org/officeDocument/2006/relationships" xmlns:p="http://schemas.openxmlformats.org/presentationml/2006/main">
+  <p:cSld>
+    <p:spTree>
+      <p:nvGrpSpPr>
+        <p:cNvPr id="1" name=""/>
+        <p:cNvGrpSpPr/>
+        <p:nvPr/>
+      </p:nvGrpSpPr>
+      <p:grpSpPr>
+        <a:xfrm>
+          <a:off x="0" y="0"/>
+          <a:ext cx="0" cy="0"/>
+          <a:chOff x="0" y="0"/>
+          <a:chExt cx="0" cy="0"/>
+        </a:xfrm>
+      </p:grpSpPr>
+      <p:sp>
+        <p:nvSpPr>
+          <p:cNvPr id="2" name="Title 1">
+            <a:extLst>
+              <a:ext uri="{FF2B5EF4-FFF2-40B4-BE49-F238E27FC236}">
+                <a16:creationId xmlns:a16="http://schemas.microsoft.com/office/drawing/2014/main" id="{502225D3-42B6-41D1-ACB4-C8267CB3DA98}"/>
+              </a:ext>
+            </a:extLst>
+          </p:cNvPr>
+          <p:cNvSpPr>
+            <a:spLocks noGrp="1"/>
+          </p:cNvSpPr>
+          <p:nvPr>
+            <p:ph type="title"/>
+          </p:nvPr>
+        </p:nvSpPr>
+        <p:spPr/>
+        <p:txBody>
+          <a:bodyPr/>
+          <a:lstStyle/>
+          <a:p>
+            <a:r>
+              <a:rPr lang="en-US" dirty="0"/>
+              <a:t>Analysis, Visualization, and Results: Goal 4</a:t>
+            </a:r>
+          </a:p>
+        </p:txBody>
+      </p:sp>
+      <p:sp>
+        <p:nvSpPr>
+          <p:cNvPr id="3" name="Content Placeholder 2">
+            <a:extLst>
+              <a:ext uri="{FF2B5EF4-FFF2-40B4-BE49-F238E27FC236}">
+                <a16:creationId xmlns:a16="http://schemas.microsoft.com/office/drawing/2014/main" id="{08DE1D8A-B04F-4B51-B7BF-680EF23C2646}"/>
+              </a:ext>
+            </a:extLst>
+          </p:cNvPr>
+          <p:cNvSpPr>
+            <a:spLocks noGrp="1"/>
+          </p:cNvSpPr>
+          <p:nvPr>
+            <p:ph idx="1"/>
+          </p:nvPr>
+        </p:nvSpPr>
+        <p:spPr>
+          <a:xfrm>
+            <a:off x="609600" y="1600204"/>
+            <a:ext cx="3511826" cy="4165599"/>
+          </a:xfrm>
+        </p:spPr>
+        <p:txBody>
+          <a:bodyPr>
+            <a:normAutofit/>
+          </a:bodyPr>
+          <a:lstStyle/>
+          <a:p>
+            <a:pPr marL="342900" indent="-342900">
+              <a:buFont typeface="Arial" panose="020B0604020202020204" pitchFamily="34" charset="0"/>
+              <a:buChar char="•"/>
+            </a:pPr>
+            <a:r>
+              <a:rPr lang="en-US" sz="1800" i="1" dirty="0">
+                <a:solidFill>
+                  <a:schemeClr val="bg1">
+                    <a:lumMod val="75000"/>
+                  </a:schemeClr>
+                </a:solidFill>
+              </a:rPr>
+              <a:t>Are there trends between meteorites that have been observed hitting the ground and ones that are found?</a:t>
+            </a:r>
+          </a:p>
+          <a:p>
+            <a:pPr marL="342900" indent="-342900">
+              <a:buFont typeface="Arial" panose="020B0604020202020204" pitchFamily="34" charset="0"/>
+              <a:buChar char="•"/>
+            </a:pPr>
+            <a:r>
+              <a:rPr lang="en-US" sz="2266" dirty="0"/>
+              <a:t>Analyzed where meteorites were observed falling and were found.  Do not see a correlation between the two.</a:t>
+            </a:r>
+            <a:endParaRPr lang="en-US" dirty="0"/>
+          </a:p>
+        </p:txBody>
+      </p:sp>
+      <p:pic>
+        <p:nvPicPr>
+          <p:cNvPr id="4" name="Picture 3">
+            <a:extLst>
+              <a:ext uri="{FF2B5EF4-FFF2-40B4-BE49-F238E27FC236}">
+                <a16:creationId xmlns:a16="http://schemas.microsoft.com/office/drawing/2014/main" id="{F1ED7147-CFFC-434B-995F-25624FF30A1E}"/>
+              </a:ext>
+            </a:extLst>
+          </p:cNvPr>
+          <p:cNvPicPr>
+            <a:picLocks noChangeAspect="1"/>
+          </p:cNvPicPr>
+          <p:nvPr/>
+        </p:nvPicPr>
+        <p:blipFill rotWithShape="1">
+          <a:blip r:embed="rId2">
+            <a:extLst>
+              <a:ext uri="{28A0092B-C50C-407E-A947-70E740481C1C}">
+                <a14:useLocalDpi xmlns:a14="http://schemas.microsoft.com/office/drawing/2010/main" val="0"/>
+              </a:ext>
+            </a:extLst>
+          </a:blip>
+          <a:srcRect l="511"/>
+          <a:stretch/>
+        </p:blipFill>
+        <p:spPr>
+          <a:xfrm>
+            <a:off x="4147524" y="1258613"/>
+            <a:ext cx="7434876" cy="4507190"/>
+          </a:xfrm>
+          <a:prstGeom prst="rect">
+            <a:avLst/>
+          </a:prstGeom>
+          <a:ln>
+            <a:noFill/>
+          </a:ln>
+          <a:effectLst>
+            <a:outerShdw blurRad="190500" algn="tl" rotWithShape="0">
+              <a:srgbClr val="000000">
+                <a:alpha val="70000"/>
+              </a:srgbClr>
+            </a:outerShdw>
+          </a:effectLst>
+        </p:spPr>
+      </p:pic>
+    </p:spTree>
+    <p:extLst>
+      <p:ext uri="{BB962C8B-B14F-4D97-AF65-F5344CB8AC3E}">
+        <p14:creationId xmlns:p14="http://schemas.microsoft.com/office/powerpoint/2010/main" val="2488133733"/>
+      </p:ext>
+    </p:extLst>
+  </p:cSld>
+  <p:clrMapOvr>
+    <a:masterClrMapping/>
+  </p:clrMapOvr>
+  <mc:AlternateContent xmlns:mc="http://schemas.openxmlformats.org/markup-compatibility/2006" xmlns:p14="http://schemas.microsoft.com/office/powerpoint/2010/main">
+    <mc:Choice Requires="p14">
+      <p:transition spd="med" p14:dur="700">
+        <p:fade/>
+      </p:transition>
+    </mc:Choice>
+    <mc:Fallback xmlns="">
+      <p:transition spd="med">
+        <p:fade/>
+      </p:transition>
+    </mc:Fallback>
+  </mc:AlternateContent>
+</p:sld>
+</file>
+
+<file path=ppt/slides/slide16.xml><?xml version="1.0" encoding="utf-8"?>
+<p:sld xmlns:a="http://schemas.openxmlformats.org/drawingml/2006/main" xmlns:r="http://schemas.openxmlformats.org/officeDocument/2006/relationships" xmlns:p="http://schemas.openxmlformats.org/presentationml/2006/main">
+  <p:cSld>
+    <p:spTree>
+      <p:nvGrpSpPr>
+        <p:cNvPr id="1" name=""/>
+        <p:cNvGrpSpPr/>
+        <p:nvPr/>
+      </p:nvGrpSpPr>
+      <p:grpSpPr>
+        <a:xfrm>
+          <a:off x="0" y="0"/>
+          <a:ext cx="0" cy="0"/>
+          <a:chOff x="0" y="0"/>
+          <a:chExt cx="0" cy="0"/>
+        </a:xfrm>
+      </p:grpSpPr>
+      <p:sp>
+        <p:nvSpPr>
+          <p:cNvPr id="2" name="Title 1">
+            <a:extLst>
+              <a:ext uri="{FF2B5EF4-FFF2-40B4-BE49-F238E27FC236}">
+                <a16:creationId xmlns:a16="http://schemas.microsoft.com/office/drawing/2014/main" id="{502225D3-42B6-41D1-ACB4-C8267CB3DA98}"/>
+              </a:ext>
+            </a:extLst>
+          </p:cNvPr>
+          <p:cNvSpPr>
+            <a:spLocks noGrp="1"/>
+          </p:cNvSpPr>
+          <p:nvPr>
+            <p:ph type="title"/>
+          </p:nvPr>
+        </p:nvSpPr>
+        <p:spPr/>
+        <p:txBody>
+          <a:bodyPr/>
+          <a:lstStyle/>
+          <a:p>
+            <a:r>
+              <a:rPr lang="en-US" dirty="0"/>
+              <a:t>Analysis, Visualization, and Results: Goal 5, and the Future…</a:t>
+            </a:r>
+          </a:p>
+        </p:txBody>
+      </p:sp>
+      <p:sp>
+        <p:nvSpPr>
+          <p:cNvPr id="3" name="Content Placeholder 2">
+            <a:extLst>
+              <a:ext uri="{FF2B5EF4-FFF2-40B4-BE49-F238E27FC236}">
+                <a16:creationId xmlns:a16="http://schemas.microsoft.com/office/drawing/2014/main" id="{08DE1D8A-B04F-4B51-B7BF-680EF23C2646}"/>
+              </a:ext>
+            </a:extLst>
+          </p:cNvPr>
+          <p:cNvSpPr>
+            <a:spLocks noGrp="1"/>
+          </p:cNvSpPr>
+          <p:nvPr>
+            <p:ph idx="1"/>
+          </p:nvPr>
+        </p:nvSpPr>
+        <p:spPr>
+          <a:xfrm>
+            <a:off x="609601" y="1600204"/>
+            <a:ext cx="5486400" cy="4500477"/>
+          </a:xfrm>
+        </p:spPr>
+        <p:txBody>
+          <a:bodyPr>
+            <a:normAutofit fontScale="92500"/>
+          </a:bodyPr>
+          <a:lstStyle/>
+          <a:p>
+            <a:pPr marL="342900" indent="-342900">
+              <a:buFont typeface="Arial" panose="020B0604020202020204" pitchFamily="34" charset="0"/>
+              <a:buChar char="•"/>
+            </a:pPr>
+            <a:r>
+              <a:rPr lang="en-US" sz="1800" i="1" dirty="0">
+                <a:solidFill>
+                  <a:schemeClr val="bg1">
+                    <a:lumMod val="75000"/>
+                  </a:schemeClr>
+                </a:solidFill>
+              </a:rPr>
+              <a:t>Can predictions be made about future meteorite impacts by studying past impact events? </a:t>
+            </a:r>
+          </a:p>
+          <a:p>
+            <a:pPr marL="342900" indent="-342900">
+              <a:buFont typeface="Arial" panose="020B0604020202020204" pitchFamily="34" charset="0"/>
+              <a:buChar char="•"/>
+            </a:pPr>
+            <a:r>
+              <a:rPr lang="en-US" sz="2400" dirty="0"/>
+              <a:t>My research found that while correlations may exist, predicting is a long way off.</a:t>
+            </a:r>
+          </a:p>
+          <a:p>
+            <a:pPr marL="342900" indent="-342900">
+              <a:buFont typeface="Arial" panose="020B0604020202020204" pitchFamily="34" charset="0"/>
+              <a:buChar char="•"/>
+            </a:pPr>
+            <a:r>
+              <a:rPr lang="en-US" sz="2400" dirty="0"/>
+              <a:t>With information on orbital shape and meteoroid velocity, more precise calculations can be made about specific meteorite impacts.</a:t>
+            </a:r>
+          </a:p>
+          <a:p>
+            <a:pPr marL="342900" indent="-342900">
+              <a:buFont typeface="Arial" panose="020B0604020202020204" pitchFamily="34" charset="0"/>
+              <a:buChar char="•"/>
+            </a:pPr>
+            <a:r>
+              <a:rPr lang="en-US" sz="2400" dirty="0"/>
+              <a:t>Similarly, for time-dominant analysis, while a record of past events gives a clue of future events, much more data is needed to make specific predictions.</a:t>
+            </a:r>
+            <a:endParaRPr lang="en-US" sz="2666" dirty="0"/>
+          </a:p>
+          <a:p>
+            <a:pPr marL="342900" indent="-342900">
+              <a:buFont typeface="Arial" panose="020B0604020202020204" pitchFamily="34" charset="0"/>
+              <a:buChar char="•"/>
+            </a:pPr>
+            <a:endParaRPr lang="en-US" sz="1800" i="1" dirty="0">
+              <a:solidFill>
+                <a:schemeClr val="bg1">
+                  <a:lumMod val="75000"/>
+                </a:schemeClr>
+              </a:solidFill>
+            </a:endParaRPr>
+          </a:p>
+        </p:txBody>
+      </p:sp>
+      <p:pic>
+        <p:nvPicPr>
+          <p:cNvPr id="7" name="Picture 6">
+            <a:extLst>
+              <a:ext uri="{FF2B5EF4-FFF2-40B4-BE49-F238E27FC236}">
+                <a16:creationId xmlns:a16="http://schemas.microsoft.com/office/drawing/2014/main" id="{0DD78E39-69DB-4D7B-9A4F-6BB8471AF1E9}"/>
+              </a:ext>
+            </a:extLst>
+          </p:cNvPr>
+          <p:cNvPicPr>
+            <a:picLocks noChangeAspect="1"/>
+          </p:cNvPicPr>
+          <p:nvPr/>
+        </p:nvPicPr>
+        <p:blipFill>
+          <a:blip r:embed="rId2"/>
+          <a:stretch>
+            <a:fillRect/>
+          </a:stretch>
+        </p:blipFill>
+        <p:spPr>
+          <a:xfrm>
+            <a:off x="6557253" y="1858314"/>
+            <a:ext cx="4762500" cy="3619500"/>
+          </a:xfrm>
+          <a:prstGeom prst="rect">
+            <a:avLst/>
+          </a:prstGeom>
+        </p:spPr>
+      </p:pic>
+      <p:sp>
+        <p:nvSpPr>
+          <p:cNvPr id="8" name="TextBox 7">
+            <a:extLst>
+              <a:ext uri="{FF2B5EF4-FFF2-40B4-BE49-F238E27FC236}">
+                <a16:creationId xmlns:a16="http://schemas.microsoft.com/office/drawing/2014/main" id="{C75524EA-5B8E-4335-BE46-71C5D2FDCA28}"/>
+              </a:ext>
+            </a:extLst>
+          </p:cNvPr>
+          <p:cNvSpPr txBox="1"/>
+          <p:nvPr/>
+        </p:nvSpPr>
+        <p:spPr>
+          <a:xfrm>
+            <a:off x="6429983" y="1428478"/>
+            <a:ext cx="5622587" cy="338554"/>
+          </a:xfrm>
+          <a:prstGeom prst="rect">
+            <a:avLst/>
+          </a:prstGeom>
+          <a:noFill/>
+        </p:spPr>
+        <p:txBody>
+          <a:bodyPr wrap="square" rtlCol="0">
+            <a:spAutoFit/>
+          </a:bodyPr>
+          <a:lstStyle/>
+          <a:p>
+            <a:r>
+              <a:rPr lang="en-US" sz="1600" dirty="0"/>
+              <a:t>“God does not play dice with the Universe” – Albert Einstein</a:t>
+            </a:r>
+          </a:p>
+        </p:txBody>
+      </p:sp>
+      <p:sp>
+        <p:nvSpPr>
+          <p:cNvPr id="12" name="TextBox 11">
+            <a:extLst>
+              <a:ext uri="{FF2B5EF4-FFF2-40B4-BE49-F238E27FC236}">
+                <a16:creationId xmlns:a16="http://schemas.microsoft.com/office/drawing/2014/main" id="{34F0CC82-6DE6-4724-9951-DDF918F77103}"/>
+              </a:ext>
+            </a:extLst>
+          </p:cNvPr>
+          <p:cNvSpPr txBox="1"/>
+          <p:nvPr/>
+        </p:nvSpPr>
+        <p:spPr>
+          <a:xfrm>
+            <a:off x="6303524" y="5515906"/>
+            <a:ext cx="5016230" cy="584775"/>
+          </a:xfrm>
+          <a:prstGeom prst="rect">
+            <a:avLst/>
+          </a:prstGeom>
+          <a:noFill/>
+        </p:spPr>
+        <p:txBody>
+          <a:bodyPr wrap="square" rtlCol="0">
+            <a:spAutoFit/>
+          </a:bodyPr>
+          <a:lstStyle/>
+          <a:p>
+            <a:r>
+              <a:rPr lang="en-US" sz="1600" dirty="0"/>
+              <a:t>“However, He does play the occasional game of billiards.”  – Dr. Bruce </a:t>
+            </a:r>
+            <a:r>
+              <a:rPr lang="en-US" sz="1600" dirty="0" err="1"/>
+              <a:t>Dod</a:t>
+            </a:r>
+            <a:r>
+              <a:rPr lang="en-US" sz="1600" dirty="0"/>
+              <a:t>, </a:t>
+            </a:r>
+            <a:r>
+              <a:rPr lang="en-US" sz="1600" dirty="0" err="1"/>
+              <a:t>meteoriticist</a:t>
+            </a:r>
+            <a:endParaRPr lang="en-US" sz="1600" dirty="0"/>
+          </a:p>
+        </p:txBody>
+      </p:sp>
+    </p:spTree>
+    <p:extLst>
+      <p:ext uri="{BB962C8B-B14F-4D97-AF65-F5344CB8AC3E}">
+        <p14:creationId xmlns:p14="http://schemas.microsoft.com/office/powerpoint/2010/main" val="2242079728"/>
+      </p:ext>
+    </p:extLst>
+  </p:cSld>
+  <p:clrMapOvr>
+    <a:masterClrMapping/>
+  </p:clrMapOvr>
+  <mc:AlternateContent xmlns:mc="http://schemas.openxmlformats.org/markup-compatibility/2006" xmlns:p14="http://schemas.microsoft.com/office/powerpoint/2010/main">
+    <mc:Choice Requires="p14">
+      <p:transition spd="med" p14:dur="700">
+        <p:fade/>
+      </p:transition>
+    </mc:Choice>
+    <mc:Fallback xmlns="">
+      <p:transition spd="med">
+        <p:fade/>
+      </p:transition>
+    </mc:Fallback>
+  </mc:AlternateContent>
+</p:sld>
+</file>
+
+<file path=ppt/slides/slide17.xml><?xml version="1.0" encoding="utf-8"?>
+<p:sld xmlns:a="http://schemas.openxmlformats.org/drawingml/2006/main" xmlns:r="http://schemas.openxmlformats.org/officeDocument/2006/relationships" xmlns:p="http://schemas.openxmlformats.org/presentationml/2006/main">
+  <p:cSld>
+    <p:spTree>
+      <p:nvGrpSpPr>
+        <p:cNvPr id="1" name=""/>
+        <p:cNvGrpSpPr/>
+        <p:nvPr/>
+      </p:nvGrpSpPr>
+      <p:grpSpPr>
+        <a:xfrm>
+          <a:off x="0" y="0"/>
+          <a:ext cx="0" cy="0"/>
+          <a:chOff x="0" y="0"/>
+          <a:chExt cx="0" cy="0"/>
+        </a:xfrm>
+      </p:grpSpPr>
+      <p:sp>
+        <p:nvSpPr>
+          <p:cNvPr id="3" name="Title 2">
+            <a:extLst>
+              <a:ext uri="{FF2B5EF4-FFF2-40B4-BE49-F238E27FC236}">
+                <a16:creationId xmlns:a16="http://schemas.microsoft.com/office/drawing/2014/main" id="{EBE286BF-D19B-4390-BCF8-D14E31E858F0}"/>
+              </a:ext>
+            </a:extLst>
+          </p:cNvPr>
+          <p:cNvSpPr>
+            <a:spLocks noGrp="1"/>
+          </p:cNvSpPr>
+          <p:nvPr>
+            <p:ph type="title"/>
+          </p:nvPr>
+        </p:nvSpPr>
+        <p:spPr>
+          <a:xfrm>
+            <a:off x="609600" y="274638"/>
+            <a:ext cx="10972800" cy="6174799"/>
+          </a:xfrm>
+        </p:spPr>
+        <p:txBody>
+          <a:bodyPr/>
+          <a:lstStyle/>
+          <a:p>
+            <a:pPr algn="ctr"/>
+            <a:r>
+              <a:rPr lang="en-US" dirty="0"/>
+              <a:t>Comments? Questions? </a:t>
+            </a:r>
+          </a:p>
+        </p:txBody>
+      </p:sp>
+    </p:spTree>
+    <p:extLst>
+      <p:ext uri="{BB962C8B-B14F-4D97-AF65-F5344CB8AC3E}">
+        <p14:creationId xmlns:p14="http://schemas.microsoft.com/office/powerpoint/2010/main" val="426313773"/>
+      </p:ext>
+    </p:extLst>
+  </p:cSld>
+  <p:clrMapOvr>
+    <a:masterClrMapping/>
+  </p:clrMapOvr>
+  <mc:AlternateContent xmlns:mc="http://schemas.openxmlformats.org/markup-compatibility/2006" xmlns:p14="http://schemas.microsoft.com/office/powerpoint/2010/main">
+    <mc:Choice Requires="p14">
+      <p:transition spd="med" p14:dur="700">
+        <p:fade/>
+      </p:transition>
+    </mc:Choice>
+    <mc:Fallback xmlns="">
+      <p:transition spd="med">
+        <p:fade/>
+      </p:transition>
+    </mc:Fallback>
+  </mc:AlternateContent>
+</p:sld>
+</file>
+
+<file path=ppt/slides/slide18.xml><?xml version="1.0" encoding="utf-8"?>
+<p:sld xmlns:a="http://schemas.openxmlformats.org/drawingml/2006/main" xmlns:r="http://schemas.openxmlformats.org/officeDocument/2006/relationships" xmlns:p="http://schemas.openxmlformats.org/presentationml/2006/main">
+  <p:cSld>
+    <p:spTree>
+      <p:nvGrpSpPr>
+        <p:cNvPr id="1" name=""/>
+        <p:cNvGrpSpPr/>
+        <p:nvPr/>
+      </p:nvGrpSpPr>
+      <p:grpSpPr>
+        <a:xfrm>
+          <a:off x="0" y="0"/>
+          <a:ext cx="0" cy="0"/>
+          <a:chOff x="0" y="0"/>
+          <a:chExt cx="0" cy="0"/>
+        </a:xfrm>
+      </p:grpSpPr>
+    </p:spTree>
+    <p:extLst>
+      <p:ext uri="{BB962C8B-B14F-4D97-AF65-F5344CB8AC3E}">
+        <p14:creationId xmlns:p14="http://schemas.microsoft.com/office/powerpoint/2010/main" val="3792243488"/>
+      </p:ext>
+    </p:extLst>
+  </p:cSld>
+  <p:clrMapOvr>
+    <a:masterClrMapping/>
+  </p:clrMapOvr>
+  <mc:AlternateContent xmlns:mc="http://schemas.openxmlformats.org/markup-compatibility/2006" xmlns:p14="http://schemas.microsoft.com/office/powerpoint/2010/main">
+    <mc:Choice Requires="p14">
+      <p:transition spd="med" p14:dur="700">
+        <p:fade/>
+      </p:transition>
+    </mc:Choice>
+    <mc:Fallback xmlns="">
+      <p:transition spd="med">
+        <p:fade/>
+      </p:transition>
+    </mc:Fallback>
+  </mc:AlternateContent>
+</p:sld>
+</file>
+
 <file path=ppt/slides/slide2.xml><?xml version="1.0" encoding="utf-8"?>
 <p:sld xmlns:a="http://schemas.openxmlformats.org/drawingml/2006/main" xmlns:r="http://schemas.openxmlformats.org/officeDocument/2006/relationships" xmlns:p="http://schemas.openxmlformats.org/presentationml/2006/main">
   <p:cSld>
@@ -2217,7 +3686,7 @@
             </a:pPr>
             <a:r>
               <a:rPr lang="en-US" dirty="0"/>
-              <a:t>Analysis</a:t>
+              <a:t>Analysis, Visualization, and Results</a:t>
             </a:r>
           </a:p>
           <a:p>
@@ -2227,17 +3696,7 @@
             </a:pPr>
             <a:r>
               <a:rPr lang="en-US" dirty="0"/>
-              <a:t>Results</a:t>
-            </a:r>
-          </a:p>
-          <a:p>
-            <a:pPr marL="342900" indent="-342900">
-              <a:buFont typeface="Arial" panose="020B0604020202020204" pitchFamily="34" charset="0"/>
-              <a:buChar char="•"/>
-            </a:pPr>
-            <a:r>
-              <a:rPr lang="en-US" dirty="0"/>
-              <a:t>For the Future</a:t>
+              <a:t>Questions?</a:t>
             </a:r>
           </a:p>
         </p:txBody>
@@ -2515,7 +3974,7 @@
             </a:pPr>
             <a:r>
               <a:rPr lang="en-US" dirty="0"/>
-              <a:t>These are random events (or are they?</a:t>
+              <a:t>These are random events (or are they?)</a:t>
             </a:r>
           </a:p>
           <a:p>
@@ -2598,8 +4057,8 @@
         </p:nvSpPr>
         <p:spPr>
           <a:xfrm>
-            <a:off x="8055977" y="4311079"/>
-            <a:ext cx="2120911" cy="438806"/>
+            <a:off x="8053643" y="4311079"/>
+            <a:ext cx="2125580" cy="646331"/>
           </a:xfrm>
           <a:prstGeom prst="rect">
             <a:avLst/>
@@ -2635,6 +4094,17 @@
               <a:rPr dirty="0"/>
               <a:t>Canyon Diablo Meteorite</a:t>
             </a:r>
+            <a:endParaRPr lang="en-US" dirty="0"/>
+          </a:p>
+          <a:p>
+            <a:pPr algn="ctr">
+              <a:defRPr sz="1200"/>
+            </a:pPr>
+            <a:r>
+              <a:rPr lang="en-US" dirty="0"/>
+              <a:t>(no audio) </a:t>
+            </a:r>
+            <a:endParaRPr dirty="0"/>
           </a:p>
         </p:txBody>
       </p:sp>
@@ -2875,7 +4345,7 @@
             </a:pPr>
             <a:r>
               <a:rPr lang="en-US" sz="2000" dirty="0"/>
-              <a:t>At the outset, I hoped to answer these questions:</a:t>
+              <a:t>I set out to answer these questions:</a:t>
             </a:r>
           </a:p>
           <a:p>
@@ -2885,7 +4355,14 @@
             </a:pPr>
             <a:r>
               <a:rPr lang="en-US" sz="2000" dirty="0"/>
-              <a:t>Do meteorites fall at random or are there patterns to their impact locations, either as a whole, by class of meteorite, or some other parameter? </a:t>
+              <a:t>Do meteorites fall at random or are there patterns to their impact locations?</a:t>
+            </a:r>
+          </a:p>
+          <a:p>
+            <a:pPr marL="1943021" lvl="2" indent="-342900"/>
+            <a:r>
+              <a:rPr lang="en-US" sz="2000" dirty="0"/>
+              <a:t>Either as a whole, by class of meteorite, or some other parameter? </a:t>
             </a:r>
           </a:p>
           <a:p>
@@ -2895,7 +4372,7 @@
             </a:pPr>
             <a:r>
               <a:rPr lang="en-US" sz="2000" dirty="0"/>
-              <a:t>Are the numbers of meteorite falls consistent over history or are they changing? Is there any connection to population?</a:t>
+              <a:t>Are the numbers of meteorite falls consistent over history or are they changing? </a:t>
             </a:r>
           </a:p>
           <a:p>
@@ -2903,6 +4380,13 @@
               <a:buFont typeface="Arial" panose="020B0604020202020204" pitchFamily="34" charset="0"/>
               <a:buChar char="•"/>
             </a:pPr>
+            <a:r>
+              <a:rPr lang="en-US" sz="2000" dirty="0"/>
+              <a:t>Is there any connection to population? </a:t>
+            </a:r>
+          </a:p>
+          <a:p>
+            <a:pPr marL="1943021" lvl="2" indent="-342900"/>
             <a:r>
               <a:rPr lang="en-US" sz="2000" dirty="0"/>
               <a:t>Are there more falls recorded because more people to see it and more finds because people are in the area? </a:t>
@@ -3038,37 +4522,40 @@
             </a:r>
           </a:p>
           <a:p>
+            <a:pPr marL="1333451" lvl="1" indent="-342900">
+              <a:buFont typeface="Arial" panose="020B0604020202020204" pitchFamily="34" charset="0"/>
+              <a:buChar char="•"/>
+            </a:pPr>
+            <a:r>
+              <a:rPr lang="en-US" dirty="0"/>
+              <a:t>This dataset includes every meteorite known to be observed falling or later found.</a:t>
+            </a:r>
+          </a:p>
+          <a:p>
+            <a:pPr marL="1333451" lvl="1" indent="-342900">
+              <a:buFont typeface="Arial" panose="020B0604020202020204" pitchFamily="34" charset="0"/>
+              <a:buChar char="•"/>
+            </a:pPr>
+            <a:r>
+              <a:rPr lang="en-US" dirty="0"/>
+              <a:t>Has geolocation, name, class/description of meteorite, and whether it was a fall or a find.</a:t>
+            </a:r>
+          </a:p>
+          <a:p>
+            <a:pPr marL="1333451" lvl="1" indent="-342900">
+              <a:buFont typeface="Arial" panose="020B0604020202020204" pitchFamily="34" charset="0"/>
+              <a:buChar char="•"/>
+            </a:pPr>
+            <a:endParaRPr lang="en-US" dirty="0"/>
+          </a:p>
+          <a:p>
             <a:pPr marL="342900" indent="-342900">
               <a:buFont typeface="Arial" panose="020B0604020202020204" pitchFamily="34" charset="0"/>
               <a:buChar char="•"/>
             </a:pPr>
-            <a:endParaRPr lang="en-US" dirty="0"/>
-          </a:p>
-          <a:p>
-            <a:pPr marL="342900" indent="-342900">
-              <a:buFont typeface="Arial" panose="020B0604020202020204" pitchFamily="34" charset="0"/>
-              <a:buChar char="•"/>
-            </a:pPr>
-            <a:r>
-              <a:rPr lang="en-US" dirty="0"/>
-              <a:t>Cleaned up to ensure that only valid reliable finds and falls were recorded and used for analysis.</a:t>
-            </a:r>
-          </a:p>
-          <a:p>
-            <a:pPr marL="342900" indent="-342900">
-              <a:buFont typeface="Arial" panose="020B0604020202020204" pitchFamily="34" charset="0"/>
-              <a:buChar char="•"/>
-            </a:pPr>
-            <a:endParaRPr lang="en-US" dirty="0"/>
-          </a:p>
-          <a:p>
-            <a:pPr marL="342900" indent="-342900">
-              <a:buFont typeface="Arial" panose="020B0604020202020204" pitchFamily="34" charset="0"/>
-              <a:buChar char="•"/>
-            </a:pPr>
-            <a:r>
-              <a:rPr lang="en-US" dirty="0"/>
-              <a:t>In order to answer my questions, would need to add additional data:</a:t>
+            <a:r>
+              <a:rPr lang="en-US" dirty="0"/>
+              <a:t>In order to answer my questions, I would need to additional data:</a:t>
             </a:r>
           </a:p>
           <a:p>
@@ -3078,7 +4565,7 @@
             </a:pPr>
             <a:r>
               <a:rPr lang="en-US" dirty="0"/>
-              <a:t>Meteorite Classification guide</a:t>
+              <a:t>Meteorite classification guide</a:t>
             </a:r>
           </a:p>
           <a:p>
@@ -3088,7 +4575,7 @@
             </a:pPr>
             <a:r>
               <a:rPr lang="en-US" dirty="0"/>
-              <a:t>Land use/land cover data</a:t>
+              <a:t>Present and historical Land use/land cover data</a:t>
             </a:r>
           </a:p>
           <a:p>
@@ -3098,23 +4585,8 @@
             </a:pPr>
             <a:r>
               <a:rPr lang="en-US" dirty="0"/>
-              <a:t>Location </a:t>
-            </a:r>
-            <a:r>
-              <a:rPr lang="en-US" dirty="0" err="1"/>
-              <a:t>ofhistorical</a:t>
-            </a:r>
-            <a:r>
-              <a:rPr lang="en-US" dirty="0"/>
-              <a:t> urban areas</a:t>
-            </a:r>
-          </a:p>
-          <a:p>
-            <a:pPr marL="1333451" lvl="1" indent="-342900">
-              <a:buFont typeface="Arial" panose="020B0604020202020204" pitchFamily="34" charset="0"/>
-              <a:buChar char="•"/>
-            </a:pPr>
-            <a:endParaRPr lang="en-US" dirty="0"/>
+              <a:t>Historical urban areas</a:t>
+            </a:r>
           </a:p>
         </p:txBody>
       </p:sp>
@@ -3183,7 +4655,7 @@
           <a:p>
             <a:r>
               <a:rPr lang="en-US" dirty="0"/>
-              <a:t>Data Discussion</a:t>
+              <a:t>Data Discussion:  Data Hygiene &amp; Synthesis</a:t>
             </a:r>
           </a:p>
         </p:txBody>
@@ -3204,11 +4676,68 @@
             <p:ph idx="1"/>
           </p:nvPr>
         </p:nvSpPr>
-        <p:spPr/>
+        <p:spPr>
+          <a:xfrm>
+            <a:off x="609600" y="1600204"/>
+            <a:ext cx="7143345" cy="4165599"/>
+          </a:xfrm>
+        </p:spPr>
         <p:txBody>
           <a:bodyPr/>
           <a:lstStyle/>
           <a:p>
+            <a:pPr marL="342900" indent="-342900">
+              <a:buFont typeface="Arial" panose="020B0604020202020204" pitchFamily="34" charset="0"/>
+              <a:buChar char="•"/>
+            </a:pPr>
+            <a:r>
+              <a:rPr lang="en-US" dirty="0"/>
+              <a:t>Filtered out suspect data and other “</a:t>
+            </a:r>
+            <a:r>
+              <a:rPr lang="en-US" dirty="0" err="1"/>
+              <a:t>meteorongs</a:t>
+            </a:r>
+            <a:r>
+              <a:rPr lang="en-US" dirty="0"/>
+              <a:t>”</a:t>
+            </a:r>
+          </a:p>
+          <a:p>
+            <a:pPr marL="1333451" lvl="1" indent="-342900">
+              <a:buFont typeface="Arial" panose="020B0604020202020204" pitchFamily="34" charset="0"/>
+              <a:buChar char="•"/>
+            </a:pPr>
+            <a:r>
+              <a:rPr lang="en-US" dirty="0"/>
+              <a:t>Some meteorites had questionable coordinates</a:t>
+            </a:r>
+          </a:p>
+          <a:p>
+            <a:pPr marL="1333451" lvl="1" indent="-342900">
+              <a:buFont typeface="Arial" panose="020B0604020202020204" pitchFamily="34" charset="0"/>
+              <a:buChar char="•"/>
+            </a:pPr>
+            <a:r>
+              <a:rPr lang="en-US" dirty="0"/>
+              <a:t>Some were marked as “relict” – previously thought to be meteorites, but discovered not to be.</a:t>
+            </a:r>
+          </a:p>
+          <a:p>
+            <a:pPr marL="1333451" lvl="1" indent="-342900">
+              <a:buFont typeface="Arial" panose="020B0604020202020204" pitchFamily="34" charset="0"/>
+              <a:buChar char="•"/>
+            </a:pPr>
+            <a:r>
+              <a:rPr lang="en-US" dirty="0"/>
+              <a:t>Others were missing attributes that were or were not able to be replicated or replaced.</a:t>
+            </a:r>
+          </a:p>
+          <a:p>
+            <a:pPr marL="1333451" lvl="1" indent="-342900">
+              <a:buFont typeface="Arial" panose="020B0604020202020204" pitchFamily="34" charset="0"/>
+              <a:buChar char="•"/>
+            </a:pPr>
             <a:endParaRPr lang="en-US" dirty="0"/>
           </a:p>
         </p:txBody>
@@ -3216,7 +4745,7 @@
     </p:spTree>
     <p:extLst>
       <p:ext uri="{BB962C8B-B14F-4D97-AF65-F5344CB8AC3E}">
-        <p14:creationId xmlns:p14="http://schemas.microsoft.com/office/powerpoint/2010/main" val="3475643567"/>
+        <p14:creationId xmlns:p14="http://schemas.microsoft.com/office/powerpoint/2010/main" val="4216425036"/>
       </p:ext>
     </p:extLst>
   </p:cSld>
@@ -3255,10 +4784,639 @@
           <a:chExt cx="0" cy="0"/>
         </a:xfrm>
       </p:grpSpPr>
+      <p:sp>
+        <p:nvSpPr>
+          <p:cNvPr id="2" name="Title 1">
+            <a:extLst>
+              <a:ext uri="{FF2B5EF4-FFF2-40B4-BE49-F238E27FC236}">
+                <a16:creationId xmlns:a16="http://schemas.microsoft.com/office/drawing/2014/main" id="{989A060A-A74F-48F6-A3FA-92BB7EFA28D7}"/>
+              </a:ext>
+            </a:extLst>
+          </p:cNvPr>
+          <p:cNvSpPr>
+            <a:spLocks noGrp="1"/>
+          </p:cNvSpPr>
+          <p:nvPr>
+            <p:ph type="title"/>
+          </p:nvPr>
+        </p:nvSpPr>
+        <p:spPr/>
+        <p:txBody>
+          <a:bodyPr/>
+          <a:lstStyle/>
+          <a:p>
+            <a:r>
+              <a:rPr lang="en-US" dirty="0"/>
+              <a:t>Data Discussion:  Data Hygiene &amp; Synthesis</a:t>
+            </a:r>
+          </a:p>
+        </p:txBody>
+      </p:sp>
+      <p:sp>
+        <p:nvSpPr>
+          <p:cNvPr id="6" name="Content Placeholder 5">
+            <a:extLst>
+              <a:ext uri="{FF2B5EF4-FFF2-40B4-BE49-F238E27FC236}">
+                <a16:creationId xmlns:a16="http://schemas.microsoft.com/office/drawing/2014/main" id="{3D533850-0869-47EC-8130-B2596CC85FC1}"/>
+              </a:ext>
+            </a:extLst>
+          </p:cNvPr>
+          <p:cNvSpPr>
+            <a:spLocks noGrp="1"/>
+          </p:cNvSpPr>
+          <p:nvPr>
+            <p:ph idx="1"/>
+          </p:nvPr>
+        </p:nvSpPr>
+        <p:spPr>
+          <a:xfrm>
+            <a:off x="609600" y="1600204"/>
+            <a:ext cx="10972800" cy="4165599"/>
+          </a:xfrm>
+        </p:spPr>
+        <p:txBody>
+          <a:bodyPr/>
+          <a:lstStyle/>
+          <a:p>
+            <a:pPr marL="342900" indent="-342900">
+              <a:buFont typeface="Arial" panose="020B0604020202020204" pitchFamily="34" charset="0"/>
+              <a:buChar char="•"/>
+            </a:pPr>
+            <a:r>
+              <a:rPr lang="en-US" dirty="0"/>
+              <a:t>Aggregated the extremely specific groups/subgroups of meteorites in the dataset to more general ones to simplify analysis</a:t>
+            </a:r>
+          </a:p>
+          <a:p>
+            <a:pPr marL="1333451" lvl="1" indent="-342900">
+              <a:buFont typeface="Arial" panose="020B0604020202020204" pitchFamily="34" charset="0"/>
+              <a:buChar char="•"/>
+            </a:pPr>
+            <a:r>
+              <a:rPr lang="en-US" dirty="0"/>
+              <a:t>e.g. a meteorite defined in the dataset as an “H5-6” can also be placed into the H Group, H-L-LL clan, Ordinary Class, Chondrites, and Stony type.</a:t>
+            </a:r>
+          </a:p>
+          <a:p>
+            <a:pPr marL="1333451" lvl="1" indent="-342900">
+              <a:buFont typeface="Arial" panose="020B0604020202020204" pitchFamily="34" charset="0"/>
+              <a:buChar char="•"/>
+            </a:pPr>
+            <a:endParaRPr lang="en-US" dirty="0"/>
+          </a:p>
+        </p:txBody>
+      </p:sp>
+      <p:pic>
+        <p:nvPicPr>
+          <p:cNvPr id="3074" name="Picture 2" descr="https://upload.wikimedia.org/wikipedia/commons/thumb/1/16/Meteorite_Classification_after_Weissberg_McCoy_Krot_2006_Stony_Iron.svg/1920px-Meteorite_Classification_after_Weissberg_McCoy_Krot_2006_Stony_Iron.svg.png">
+            <a:extLst>
+              <a:ext uri="{FF2B5EF4-FFF2-40B4-BE49-F238E27FC236}">
+                <a16:creationId xmlns:a16="http://schemas.microsoft.com/office/drawing/2014/main" id="{65DE9381-9C69-447C-933F-320880C7A2A7}"/>
+              </a:ext>
+            </a:extLst>
+          </p:cNvPr>
+          <p:cNvPicPr>
+            <a:picLocks noChangeAspect="1" noChangeArrowheads="1"/>
+          </p:cNvPicPr>
+          <p:nvPr/>
+        </p:nvPicPr>
+        <p:blipFill>
+          <a:blip r:embed="rId2">
+            <a:extLst>
+              <a:ext uri="{28A0092B-C50C-407E-A947-70E740481C1C}">
+                <a14:useLocalDpi xmlns:a14="http://schemas.microsoft.com/office/drawing/2010/main" val="0"/>
+              </a:ext>
+            </a:extLst>
+          </a:blip>
+          <a:srcRect/>
+          <a:stretch>
+            <a:fillRect/>
+          </a:stretch>
+        </p:blipFill>
+        <p:spPr bwMode="auto">
+          <a:xfrm>
+            <a:off x="1834243" y="3143992"/>
+            <a:ext cx="8523514" cy="2916640"/>
+          </a:xfrm>
+          <a:prstGeom prst="rect">
+            <a:avLst/>
+          </a:prstGeom>
+          <a:noFill/>
+          <a:extLst>
+            <a:ext uri="{909E8E84-426E-40DD-AFC4-6F175D3DCCD1}">
+              <a14:hiddenFill xmlns:a14="http://schemas.microsoft.com/office/drawing/2010/main">
+                <a:solidFill>
+                  <a:srgbClr val="FFFFFF"/>
+                </a:solidFill>
+              </a14:hiddenFill>
+            </a:ext>
+          </a:extLst>
+        </p:spPr>
+      </p:pic>
+      <p:grpSp>
+        <p:nvGrpSpPr>
+          <p:cNvPr id="4" name="Group 3">
+            <a:extLst>
+              <a:ext uri="{FF2B5EF4-FFF2-40B4-BE49-F238E27FC236}">
+                <a16:creationId xmlns:a16="http://schemas.microsoft.com/office/drawing/2014/main" id="{322806E7-3A29-42AC-8615-6C8E47605A22}"/>
+              </a:ext>
+            </a:extLst>
+          </p:cNvPr>
+          <p:cNvGrpSpPr/>
+          <p:nvPr/>
+        </p:nvGrpSpPr>
+        <p:grpSpPr>
+          <a:xfrm>
+            <a:off x="4275117" y="2961427"/>
+            <a:ext cx="1987138" cy="1841151"/>
+            <a:chOff x="4275117" y="3246435"/>
+            <a:chExt cx="1987138" cy="1841151"/>
+          </a:xfrm>
+        </p:grpSpPr>
+        <p:sp>
+          <p:nvSpPr>
+            <p:cNvPr id="3" name="Oval 2">
+              <a:extLst>
+                <a:ext uri="{FF2B5EF4-FFF2-40B4-BE49-F238E27FC236}">
+                  <a16:creationId xmlns:a16="http://schemas.microsoft.com/office/drawing/2014/main" id="{2B958E86-1EC6-4C6D-8304-5F6E183F2FA6}"/>
+                </a:ext>
+              </a:extLst>
+            </p:cNvPr>
+            <p:cNvSpPr/>
+            <p:nvPr/>
+          </p:nvSpPr>
+          <p:spPr>
+            <a:xfrm>
+              <a:off x="4275117" y="3246435"/>
+              <a:ext cx="1211283" cy="762990"/>
+            </a:xfrm>
+            <a:prstGeom prst="ellipse">
+              <a:avLst/>
+            </a:prstGeom>
+            <a:noFill/>
+            <a:ln>
+              <a:solidFill>
+                <a:srgbClr val="FF0000"/>
+              </a:solidFill>
+            </a:ln>
+          </p:spPr>
+          <p:style>
+            <a:lnRef idx="2">
+              <a:schemeClr val="accent1">
+                <a:shade val="50000"/>
+              </a:schemeClr>
+            </a:lnRef>
+            <a:fillRef idx="1">
+              <a:schemeClr val="accent1"/>
+            </a:fillRef>
+            <a:effectRef idx="0">
+              <a:schemeClr val="accent1"/>
+            </a:effectRef>
+            <a:fontRef idx="minor">
+              <a:schemeClr val="lt1"/>
+            </a:fontRef>
+          </p:style>
+          <p:txBody>
+            <a:bodyPr rtlCol="0" anchor="ctr"/>
+            <a:lstStyle/>
+            <a:p>
+              <a:pPr algn="ctr"/>
+              <a:endParaRPr lang="en-US"/>
+            </a:p>
+          </p:txBody>
+        </p:sp>
+        <p:sp>
+          <p:nvSpPr>
+            <p:cNvPr id="7" name="Oval 6">
+              <a:extLst>
+                <a:ext uri="{FF2B5EF4-FFF2-40B4-BE49-F238E27FC236}">
+                  <a16:creationId xmlns:a16="http://schemas.microsoft.com/office/drawing/2014/main" id="{EC6D74D4-641A-4AEA-88AC-E78036FAAF4A}"/>
+                </a:ext>
+              </a:extLst>
+            </p:cNvPr>
+            <p:cNvSpPr/>
+            <p:nvPr/>
+          </p:nvSpPr>
+          <p:spPr>
+            <a:xfrm>
+              <a:off x="5341917" y="3864913"/>
+              <a:ext cx="920338" cy="431524"/>
+            </a:xfrm>
+            <a:prstGeom prst="ellipse">
+              <a:avLst/>
+            </a:prstGeom>
+            <a:noFill/>
+            <a:ln>
+              <a:solidFill>
+                <a:srgbClr val="FF0000"/>
+              </a:solidFill>
+            </a:ln>
+          </p:spPr>
+          <p:style>
+            <a:lnRef idx="2">
+              <a:schemeClr val="accent1">
+                <a:shade val="50000"/>
+              </a:schemeClr>
+            </a:lnRef>
+            <a:fillRef idx="1">
+              <a:schemeClr val="accent1"/>
+            </a:fillRef>
+            <a:effectRef idx="0">
+              <a:schemeClr val="accent1"/>
+            </a:effectRef>
+            <a:fontRef idx="minor">
+              <a:schemeClr val="lt1"/>
+            </a:fontRef>
+          </p:style>
+          <p:txBody>
+            <a:bodyPr rtlCol="0" anchor="ctr"/>
+            <a:lstStyle/>
+            <a:p>
+              <a:pPr algn="ctr"/>
+              <a:endParaRPr lang="en-US"/>
+            </a:p>
+          </p:txBody>
+        </p:sp>
+        <p:sp>
+          <p:nvSpPr>
+            <p:cNvPr id="8" name="Oval 7">
+              <a:extLst>
+                <a:ext uri="{FF2B5EF4-FFF2-40B4-BE49-F238E27FC236}">
+                  <a16:creationId xmlns:a16="http://schemas.microsoft.com/office/drawing/2014/main" id="{A6C7332A-AF5C-41FA-86E7-E08139B02777}"/>
+                </a:ext>
+              </a:extLst>
+            </p:cNvPr>
+            <p:cNvSpPr/>
+            <p:nvPr/>
+          </p:nvSpPr>
+          <p:spPr>
+            <a:xfrm>
+              <a:off x="5339940" y="4242946"/>
+              <a:ext cx="920338" cy="431524"/>
+            </a:xfrm>
+            <a:prstGeom prst="ellipse">
+              <a:avLst/>
+            </a:prstGeom>
+            <a:noFill/>
+            <a:ln>
+              <a:solidFill>
+                <a:srgbClr val="FF0000"/>
+              </a:solidFill>
+            </a:ln>
+          </p:spPr>
+          <p:style>
+            <a:lnRef idx="2">
+              <a:schemeClr val="accent1">
+                <a:shade val="50000"/>
+              </a:schemeClr>
+            </a:lnRef>
+            <a:fillRef idx="1">
+              <a:schemeClr val="accent1"/>
+            </a:fillRef>
+            <a:effectRef idx="0">
+              <a:schemeClr val="accent1"/>
+            </a:effectRef>
+            <a:fontRef idx="minor">
+              <a:schemeClr val="lt1"/>
+            </a:fontRef>
+          </p:style>
+          <p:txBody>
+            <a:bodyPr rtlCol="0" anchor="ctr"/>
+            <a:lstStyle/>
+            <a:p>
+              <a:pPr algn="ctr"/>
+              <a:endParaRPr lang="en-US"/>
+            </a:p>
+          </p:txBody>
+        </p:sp>
+        <p:sp>
+          <p:nvSpPr>
+            <p:cNvPr id="9" name="Oval 8">
+              <a:extLst>
+                <a:ext uri="{FF2B5EF4-FFF2-40B4-BE49-F238E27FC236}">
+                  <a16:creationId xmlns:a16="http://schemas.microsoft.com/office/drawing/2014/main" id="{E2761775-C04B-4C6F-8E88-B4C188CFC69E}"/>
+                </a:ext>
+              </a:extLst>
+            </p:cNvPr>
+            <p:cNvSpPr/>
+            <p:nvPr/>
+          </p:nvSpPr>
+          <p:spPr>
+            <a:xfrm>
+              <a:off x="5270665" y="4694206"/>
+              <a:ext cx="431470" cy="393380"/>
+            </a:xfrm>
+            <a:prstGeom prst="ellipse">
+              <a:avLst/>
+            </a:prstGeom>
+            <a:noFill/>
+            <a:ln>
+              <a:solidFill>
+                <a:srgbClr val="FF0000"/>
+              </a:solidFill>
+            </a:ln>
+          </p:spPr>
+          <p:style>
+            <a:lnRef idx="2">
+              <a:schemeClr val="accent1">
+                <a:shade val="50000"/>
+              </a:schemeClr>
+            </a:lnRef>
+            <a:fillRef idx="1">
+              <a:schemeClr val="accent1"/>
+            </a:fillRef>
+            <a:effectRef idx="0">
+              <a:schemeClr val="accent1"/>
+            </a:effectRef>
+            <a:fontRef idx="minor">
+              <a:schemeClr val="lt1"/>
+            </a:fontRef>
+          </p:style>
+          <p:txBody>
+            <a:bodyPr rtlCol="0" anchor="ctr"/>
+            <a:lstStyle/>
+            <a:p>
+              <a:pPr algn="ctr"/>
+              <a:endParaRPr lang="en-US"/>
+            </a:p>
+          </p:txBody>
+        </p:sp>
+      </p:grpSp>
     </p:spTree>
     <p:extLst>
       <p:ext uri="{BB962C8B-B14F-4D97-AF65-F5344CB8AC3E}">
-        <p14:creationId xmlns:p14="http://schemas.microsoft.com/office/powerpoint/2010/main" val="3792243488"/>
+        <p14:creationId xmlns:p14="http://schemas.microsoft.com/office/powerpoint/2010/main" val="3475643567"/>
+      </p:ext>
+    </p:extLst>
+  </p:cSld>
+  <p:clrMapOvr>
+    <a:masterClrMapping/>
+  </p:clrMapOvr>
+  <mc:AlternateContent xmlns:mc="http://schemas.openxmlformats.org/markup-compatibility/2006" xmlns:p14="http://schemas.microsoft.com/office/powerpoint/2010/main">
+    <mc:Choice Requires="p14">
+      <p:transition spd="med" p14:dur="700">
+        <p:fade/>
+      </p:transition>
+    </mc:Choice>
+    <mc:Fallback xmlns="">
+      <p:transition spd="med">
+        <p:fade/>
+      </p:transition>
+    </mc:Fallback>
+  </mc:AlternateContent>
+  <p:timing>
+    <p:tnLst>
+      <p:par>
+        <p:cTn id="1" dur="indefinite" restart="never" nodeType="tmRoot">
+          <p:childTnLst>
+            <p:seq concurrent="1" nextAc="seek">
+              <p:cTn id="2" dur="indefinite" nodeType="mainSeq">
+                <p:childTnLst>
+                  <p:par>
+                    <p:cTn id="3" fill="hold">
+                      <p:stCondLst>
+                        <p:cond delay="indefinite"/>
+                      </p:stCondLst>
+                      <p:childTnLst>
+                        <p:par>
+                          <p:cTn id="4" fill="hold">
+                            <p:stCondLst>
+                              <p:cond delay="0"/>
+                            </p:stCondLst>
+                            <p:childTnLst>
+                              <p:par>
+                                <p:cTn id="5" presetID="22" presetClass="entr" presetSubtype="4" fill="hold" nodeType="clickEffect">
+                                  <p:stCondLst>
+                                    <p:cond delay="0"/>
+                                  </p:stCondLst>
+                                  <p:childTnLst>
+                                    <p:set>
+                                      <p:cBhvr>
+                                        <p:cTn id="6" dur="1" fill="hold">
+                                          <p:stCondLst>
+                                            <p:cond delay="0"/>
+                                          </p:stCondLst>
+                                        </p:cTn>
+                                        <p:tgtEl>
+                                          <p:spTgt spid="4"/>
+                                        </p:tgtEl>
+                                        <p:attrNameLst>
+                                          <p:attrName>style.visibility</p:attrName>
+                                        </p:attrNameLst>
+                                      </p:cBhvr>
+                                      <p:to>
+                                        <p:strVal val="visible"/>
+                                      </p:to>
+                                    </p:set>
+                                    <p:animEffect transition="in" filter="wipe(down)">
+                                      <p:cBhvr>
+                                        <p:cTn id="7" dur="3000"/>
+                                        <p:tgtEl>
+                                          <p:spTgt spid="4"/>
+                                        </p:tgtEl>
+                                      </p:cBhvr>
+                                    </p:animEffect>
+                                  </p:childTnLst>
+                                </p:cTn>
+                              </p:par>
+                            </p:childTnLst>
+                          </p:cTn>
+                        </p:par>
+                      </p:childTnLst>
+                    </p:cTn>
+                  </p:par>
+                </p:childTnLst>
+              </p:cTn>
+              <p:prevCondLst>
+                <p:cond evt="onPrev" delay="0">
+                  <p:tgtEl>
+                    <p:sldTgt/>
+                  </p:tgtEl>
+                </p:cond>
+              </p:prevCondLst>
+              <p:nextCondLst>
+                <p:cond evt="onNext" delay="0">
+                  <p:tgtEl>
+                    <p:sldTgt/>
+                  </p:tgtEl>
+                </p:cond>
+              </p:nextCondLst>
+            </p:seq>
+          </p:childTnLst>
+        </p:cTn>
+      </p:par>
+    </p:tnLst>
+  </p:timing>
+</p:sld>
+</file>
+
+<file path=ppt/slides/slide9.xml><?xml version="1.0" encoding="utf-8"?>
+<p:sld xmlns:a="http://schemas.openxmlformats.org/drawingml/2006/main" xmlns:r="http://schemas.openxmlformats.org/officeDocument/2006/relationships" xmlns:p="http://schemas.openxmlformats.org/presentationml/2006/main">
+  <p:cSld>
+    <p:spTree>
+      <p:nvGrpSpPr>
+        <p:cNvPr id="1" name=""/>
+        <p:cNvGrpSpPr/>
+        <p:nvPr/>
+      </p:nvGrpSpPr>
+      <p:grpSpPr>
+        <a:xfrm>
+          <a:off x="0" y="0"/>
+          <a:ext cx="0" cy="0"/>
+          <a:chOff x="0" y="0"/>
+          <a:chExt cx="0" cy="0"/>
+        </a:xfrm>
+      </p:grpSpPr>
+      <p:sp>
+        <p:nvSpPr>
+          <p:cNvPr id="2" name="Title 1">
+            <a:extLst>
+              <a:ext uri="{FF2B5EF4-FFF2-40B4-BE49-F238E27FC236}">
+                <a16:creationId xmlns:a16="http://schemas.microsoft.com/office/drawing/2014/main" id="{A093C150-D7B1-47E3-9EC4-01AC0BF87657}"/>
+              </a:ext>
+            </a:extLst>
+          </p:cNvPr>
+          <p:cNvSpPr>
+            <a:spLocks noGrp="1"/>
+          </p:cNvSpPr>
+          <p:nvPr>
+            <p:ph type="title"/>
+          </p:nvPr>
+        </p:nvSpPr>
+        <p:spPr/>
+        <p:txBody>
+          <a:bodyPr/>
+          <a:lstStyle/>
+          <a:p>
+            <a:r>
+              <a:rPr lang="en-US" dirty="0"/>
+              <a:t>Data Discussion: Preliminary </a:t>
+            </a:r>
+            <a:r>
+              <a:rPr lang="en-US" dirty="0" err="1"/>
+              <a:t>Spatio</a:t>
+            </a:r>
+            <a:r>
+              <a:rPr lang="en-US" dirty="0"/>
+              <a:t>-temporal Analysis</a:t>
+            </a:r>
+          </a:p>
+        </p:txBody>
+      </p:sp>
+      <p:sp>
+        <p:nvSpPr>
+          <p:cNvPr id="3" name="Content Placeholder 2">
+            <a:extLst>
+              <a:ext uri="{FF2B5EF4-FFF2-40B4-BE49-F238E27FC236}">
+                <a16:creationId xmlns:a16="http://schemas.microsoft.com/office/drawing/2014/main" id="{326434F5-738B-4495-9497-06EEDC93EA58}"/>
+              </a:ext>
+            </a:extLst>
+          </p:cNvPr>
+          <p:cNvSpPr>
+            <a:spLocks noGrp="1"/>
+          </p:cNvSpPr>
+          <p:nvPr>
+            <p:ph idx="1"/>
+          </p:nvPr>
+        </p:nvSpPr>
+        <p:spPr/>
+        <p:txBody>
+          <a:bodyPr>
+            <a:normAutofit/>
+          </a:bodyPr>
+          <a:lstStyle/>
+          <a:p>
+            <a:pPr marL="342900" indent="-342900">
+              <a:buFont typeface="Arial" panose="020B0604020202020204" pitchFamily="34" charset="0"/>
+              <a:buChar char="•"/>
+            </a:pPr>
+            <a:r>
+              <a:rPr lang="en-US" dirty="0"/>
+              <a:t>Historical Urban Population Data</a:t>
+            </a:r>
+          </a:p>
+          <a:p>
+            <a:pPr marL="1333451" lvl="1" indent="-342900">
+              <a:buFont typeface="Arial" panose="020B0604020202020204" pitchFamily="34" charset="0"/>
+              <a:buChar char="•"/>
+            </a:pPr>
+            <a:r>
+              <a:rPr lang="en-US" dirty="0"/>
+              <a:t>Buffered each meteorite site to find what urbanized areas were within 0.25 degrees (approximately 25-30 km) of the site</a:t>
+            </a:r>
+          </a:p>
+          <a:p>
+            <a:pPr marL="1333451" lvl="1" indent="-342900">
+              <a:buFont typeface="Arial" panose="020B0604020202020204" pitchFamily="34" charset="0"/>
+              <a:buChar char="•"/>
+            </a:pPr>
+            <a:r>
+              <a:rPr lang="en-US" dirty="0"/>
+              <a:t>Filtered to select only populations around the time the meteorite fell or was found</a:t>
+            </a:r>
+          </a:p>
+          <a:p>
+            <a:pPr marL="1333451" lvl="1" indent="-342900">
+              <a:buFont typeface="Arial" panose="020B0604020202020204" pitchFamily="34" charset="0"/>
+              <a:buChar char="•"/>
+            </a:pPr>
+            <a:r>
+              <a:rPr lang="en-US" dirty="0"/>
+              <a:t>Determined only 2% of the meteorites were near an urban area.</a:t>
+            </a:r>
+          </a:p>
+          <a:p>
+            <a:pPr lvl="1" indent="0">
+              <a:buNone/>
+            </a:pPr>
+            <a:endParaRPr lang="en-US" dirty="0"/>
+          </a:p>
+          <a:p>
+            <a:pPr marL="342900" indent="-342900">
+              <a:buFont typeface="Arial" panose="020B0604020202020204" pitchFamily="34" charset="0"/>
+              <a:buChar char="•"/>
+            </a:pPr>
+            <a:r>
+              <a:rPr lang="en-US" dirty="0"/>
+              <a:t>Historical Land Cover Data</a:t>
+            </a:r>
+          </a:p>
+          <a:p>
+            <a:pPr marL="1333451" lvl="1" indent="-342900">
+              <a:buFont typeface="Arial" panose="020B0604020202020204" pitchFamily="34" charset="0"/>
+              <a:buChar char="•"/>
+            </a:pPr>
+            <a:r>
+              <a:rPr lang="en-US" dirty="0"/>
+              <a:t>Determined the land cover in the 0.5° x 0.5° grid square where the meteorite fell/was found.  </a:t>
+            </a:r>
+          </a:p>
+          <a:p>
+            <a:pPr marL="1333451" lvl="1" indent="-342900">
+              <a:buFont typeface="Arial" panose="020B0604020202020204" pitchFamily="34" charset="0"/>
+              <a:buChar char="•"/>
+            </a:pPr>
+            <a:r>
+              <a:rPr lang="en-US" dirty="0"/>
+              <a:t>Used the most appropriate land cover based on the date</a:t>
+            </a:r>
+          </a:p>
+          <a:p>
+            <a:pPr marL="1333451" lvl="1" indent="-342900">
+              <a:buFont typeface="Arial" panose="020B0604020202020204" pitchFamily="34" charset="0"/>
+              <a:buChar char="•"/>
+            </a:pPr>
+            <a:r>
+              <a:rPr lang="en-US" dirty="0"/>
+              <a:t>Considered assigning a weight to each category, to account for areas where no falls were observed, but determined this would bias my data</a:t>
+            </a:r>
+          </a:p>
+        </p:txBody>
+      </p:sp>
+    </p:spTree>
+    <p:extLst>
+      <p:ext uri="{BB962C8B-B14F-4D97-AF65-F5344CB8AC3E}">
+        <p14:creationId xmlns:p14="http://schemas.microsoft.com/office/powerpoint/2010/main" val="3512996499"/>
       </p:ext>
     </p:extLst>
   </p:cSld>
@@ -3832,37 +5990,6 @@
 </file>
 
 <file path=customXml/item1.xml><?xml version="1.0" encoding="utf-8"?>
-<class:Classification xmlns:class="urn:us:gov:cia:enterprise:schema:Classification:2.3" dateClassified="2021-07-28" portionMarking="false" caveat="false" tool="AACG" toolVersion="202110">
-  <class:ClassificationMarking type="USClassificationMarking" value="UNCLASSIFIED"/>
-  <class:ClassifiedBy>1041506</class:ClassifiedBy>
-  <class:ClassificationHeader>
-    <class:ClassificationBanner>UNCLASSIFIED</class:ClassificationBanner>
-    <class:SCICaveat/>
-    <class:DescriptiveMarkings/>
-  </class:ClassificationHeader>
-  <class:ClassificationFooter>
-    <class:DescriptiveMarkings/>
-    <class:ClassificationBanner>UNCLASSIFIED</class:ClassificationBanner>
-  </class:ClassificationFooter>
-</class:Classification>
-</file>
-
-<file path=customXml/item2.xml><?xml version="1.0" encoding="utf-8"?>
-<p:properties xmlns:p="http://schemas.microsoft.com/office/2006/metadata/properties" xmlns:xsi="http://www.w3.org/2001/XMLSchema-instance" xmlns:pc="http://schemas.microsoft.com/office/infopath/2007/PartnerControls">
-  <documentManagement/>
-</p:properties>
-</file>
-
-<file path=customXml/item3.xml><?xml version="1.0" encoding="utf-8"?>
-<?mso-contentType ?>
-<FormTemplates xmlns="http://schemas.microsoft.com/sharepoint/v3/contenttype/forms">
-  <Display>DocumentLibraryForm</Display>
-  <Edit>DocumentLibraryForm</Edit>
-  <New>DocumentLibraryForm</New>
-</FormTemplates>
-</file>
-
-<file path=customXml/item4.xml><?xml version="1.0" encoding="utf-8"?>
 <ct:contentTypeSchema xmlns:ct="http://schemas.microsoft.com/office/2006/metadata/contentType" xmlns:ma="http://schemas.microsoft.com/office/2006/metadata/properties/metaAttributes" ct:_="" ma:_="" ma:contentTypeName="Document" ma:contentTypeID="0x0101001219F0306B5A9D47BF05A66BB5EA13FD" ma:contentTypeVersion="0" ma:contentTypeDescription="Create a new document." ma:contentTypeScope="" ma:versionID="e0440f7d07f0676ff756cc367207aa16">
   <xsd:schema xmlns:xsd="http://www.w3.org/2001/XMLSchema" xmlns:xs="http://www.w3.org/2001/XMLSchema" xmlns:p="http://schemas.microsoft.com/office/2006/metadata/properties" targetNamespace="http://schemas.microsoft.com/office/2006/metadata/properties" ma:root="true" ma:fieldsID="1725427566364f4a1609aaf2fcebf945">
     <xsd:element name="properties">
@@ -3976,38 +6103,38 @@
 </ct:contentTypeSchema>
 </file>
 
-<file path=customXml/itemProps1.xml><?xml version="1.0" encoding="utf-8"?>
-<ds:datastoreItem xmlns:ds="http://schemas.openxmlformats.org/officeDocument/2006/customXml" ds:itemID="{3668DFCD-A5C9-4CF7-984F-851F33688E80}">
-  <ds:schemaRefs>
-    <ds:schemaRef ds:uri="urn:us:gov:cia:enterprise:schema:Classification:2.3"/>
-  </ds:schemaRefs>
-</ds:datastoreItem>
+<file path=customXml/item2.xml><?xml version="1.0" encoding="utf-8"?>
+<class:Classification xmlns:class="urn:us:gov:cia:enterprise:schema:Classification:2.3" dateClassified="2021-07-28" portionMarking="false" caveat="false" tool="AACG" toolVersion="202110">
+  <class:ClassificationMarking type="USClassificationMarking" value="UNCLASSIFIED"/>
+  <class:ClassifiedBy>1041506</class:ClassifiedBy>
+  <class:ClassificationHeader>
+    <class:ClassificationBanner>UNCLASSIFIED</class:ClassificationBanner>
+    <class:SCICaveat/>
+    <class:DescriptiveMarkings/>
+  </class:ClassificationHeader>
+  <class:ClassificationFooter>
+    <class:DescriptiveMarkings/>
+    <class:ClassificationBanner>UNCLASSIFIED</class:ClassificationBanner>
+  </class:ClassificationFooter>
+</class:Classification>
 </file>
 
-<file path=customXml/itemProps2.xml><?xml version="1.0" encoding="utf-8"?>
-<ds:datastoreItem xmlns:ds="http://schemas.openxmlformats.org/officeDocument/2006/customXml" ds:itemID="{FEF098BC-13DA-4DA2-AF97-BF2AA89B0D08}">
-  <ds:schemaRefs>
-    <ds:schemaRef ds:uri="http://schemas.microsoft.com/office/infopath/2007/PartnerControls"/>
-    <ds:schemaRef ds:uri="http://schemas.microsoft.com/office/2006/documentManagement/types"/>
-    <ds:schemaRef ds:uri="http://schemas.microsoft.com/office/2006/metadata/properties"/>
-    <ds:schemaRef ds:uri="http://www.w3.org/XML/1998/namespace"/>
-    <ds:schemaRef ds:uri="http://purl.org/dc/dcmitype/"/>
-    <ds:schemaRef ds:uri="http://purl.org/dc/terms/"/>
-    <ds:schemaRef ds:uri="http://schemas.openxmlformats.org/package/2006/metadata/core-properties"/>
-    <ds:schemaRef ds:uri="http://purl.org/dc/elements/1.1/"/>
-  </ds:schemaRefs>
-</ds:datastoreItem>
+<file path=customXml/item3.xml><?xml version="1.0" encoding="utf-8"?>
+<p:properties xmlns:p="http://schemas.microsoft.com/office/2006/metadata/properties" xmlns:xsi="http://www.w3.org/2001/XMLSchema-instance" xmlns:pc="http://schemas.microsoft.com/office/infopath/2007/PartnerControls">
+  <documentManagement/>
+</p:properties>
 </file>
 
-<file path=customXml/itemProps3.xml><?xml version="1.0" encoding="utf-8"?>
-<ds:datastoreItem xmlns:ds="http://schemas.openxmlformats.org/officeDocument/2006/customXml" ds:itemID="{7350BE22-7E8A-4848-A494-2236EC351DDC}">
-  <ds:schemaRefs>
-    <ds:schemaRef ds:uri="http://schemas.microsoft.com/sharepoint/v3/contenttype/forms"/>
-  </ds:schemaRefs>
-</ds:datastoreItem>
+<file path=customXml/item4.xml><?xml version="1.0" encoding="utf-8"?>
+<?mso-contentType ?>
+<FormTemplates xmlns="http://schemas.microsoft.com/sharepoint/v3/contenttype/forms">
+  <Display>DocumentLibraryForm</Display>
+  <Edit>DocumentLibraryForm</Edit>
+  <New>DocumentLibraryForm</New>
+</FormTemplates>
 </file>
 
-<file path=customXml/itemProps4.xml><?xml version="1.0" encoding="utf-8"?>
+<file path=customXml/itemProps1.xml><?xml version="1.0" encoding="utf-8"?>
 <ds:datastoreItem xmlns:ds="http://schemas.openxmlformats.org/officeDocument/2006/customXml" ds:itemID="{3463A9EB-8BAD-4A27-BAD6-3155E9A634E7}">
   <ds:schemaRefs>
     <ds:schemaRef ds:uri="http://schemas.microsoft.com/office/2006/metadata/contentType"/>
@@ -4021,4 +6148,35 @@
     <ds:schemaRef ds:uri="http://schemas.microsoft.com/office/infopath/2007/PartnerControls"/>
   </ds:schemaRefs>
 </ds:datastoreItem>
+</file>
+
+<file path=customXml/itemProps2.xml><?xml version="1.0" encoding="utf-8"?>
+<ds:datastoreItem xmlns:ds="http://schemas.openxmlformats.org/officeDocument/2006/customXml" ds:itemID="{3668DFCD-A5C9-4CF7-984F-851F33688E80}">
+  <ds:schemaRefs>
+    <ds:schemaRef ds:uri="urn:us:gov:cia:enterprise:schema:Classification:2.3"/>
+  </ds:schemaRefs>
+</ds:datastoreItem>
+</file>
+
+<file path=customXml/itemProps3.xml><?xml version="1.0" encoding="utf-8"?>
+<ds:datastoreItem xmlns:ds="http://schemas.openxmlformats.org/officeDocument/2006/customXml" ds:itemID="{FEF098BC-13DA-4DA2-AF97-BF2AA89B0D08}">
+  <ds:schemaRefs>
+    <ds:schemaRef ds:uri="http://schemas.openxmlformats.org/package/2006/metadata/core-properties"/>
+    <ds:schemaRef ds:uri="http://schemas.microsoft.com/office/2006/documentManagement/types"/>
+    <ds:schemaRef ds:uri="http://www.w3.org/XML/1998/namespace"/>
+    <ds:schemaRef ds:uri="http://purl.org/dc/dcmitype/"/>
+    <ds:schemaRef ds:uri="http://purl.org/dc/terms/"/>
+    <ds:schemaRef ds:uri="http://purl.org/dc/elements/1.1/"/>
+    <ds:schemaRef ds:uri="http://schemas.microsoft.com/office/infopath/2007/PartnerControls"/>
+    <ds:schemaRef ds:uri="http://schemas.microsoft.com/office/2006/metadata/properties"/>
+  </ds:schemaRefs>
+</ds:datastoreItem>
+</file>
+
+<file path=customXml/itemProps4.xml><?xml version="1.0" encoding="utf-8"?>
+<ds:datastoreItem xmlns:ds="http://schemas.openxmlformats.org/officeDocument/2006/customXml" ds:itemID="{7350BE22-7E8A-4848-A494-2236EC351DDC}">
+  <ds:schemaRefs>
+    <ds:schemaRef ds:uri="http://schemas.microsoft.com/sharepoint/v3/contenttype/forms"/>
+  </ds:schemaRefs>
+</ds:datastoreItem>
 </file>